--- a/report/colloquium.pptx
+++ b/report/colloquium.pptx
@@ -5,10 +5,10 @@
     <p:sldMasterId id="2147483891" r:id="rId1"/>
   </p:sldMasterIdLst>
   <p:notesMasterIdLst>
-    <p:notesMasterId r:id="rId11"/>
+    <p:notesMasterId r:id="rId13"/>
   </p:notesMasterIdLst>
   <p:handoutMasterIdLst>
-    <p:handoutMasterId r:id="rId12"/>
+    <p:handoutMasterId r:id="rId14"/>
   </p:handoutMasterIdLst>
   <p:sldIdLst>
     <p:sldId id="256" r:id="rId2"/>
@@ -20,27 +20,29 @@
     <p:sldId id="274" r:id="rId8"/>
     <p:sldId id="273" r:id="rId9"/>
     <p:sldId id="275" r:id="rId10"/>
+    <p:sldId id="276" r:id="rId11"/>
+    <p:sldId id="278" r:id="rId12"/>
   </p:sldIdLst>
   <p:sldSz cx="12192000" cy="6858000"/>
   <p:notesSz cx="6858000" cy="9144000"/>
   <p:embeddedFontLst>
     <p:embeddedFont>
       <p:font typeface="Calibri" panose="020F0502020204030204" pitchFamily="34" charset="0"/>
-      <p:regular r:id="rId13"/>
-      <p:bold r:id="rId14"/>
-      <p:italic r:id="rId15"/>
-      <p:boldItalic r:id="rId16"/>
+      <p:regular r:id="rId15"/>
+      <p:bold r:id="rId16"/>
+      <p:italic r:id="rId17"/>
+      <p:boldItalic r:id="rId18"/>
     </p:embeddedFont>
     <p:embeddedFont>
       <p:font typeface="Cambria Math" panose="02040503050406030204" pitchFamily="18" charset="0"/>
-      <p:regular r:id="rId17"/>
+      <p:regular r:id="rId19"/>
     </p:embeddedFont>
     <p:embeddedFont>
       <p:font typeface="Open Sans" panose="020B0606030504020204" pitchFamily="34" charset="0"/>
-      <p:regular r:id="rId18"/>
-      <p:bold r:id="rId19"/>
-      <p:italic r:id="rId20"/>
-      <p:boldItalic r:id="rId21"/>
+      <p:regular r:id="rId20"/>
+      <p:bold r:id="rId21"/>
+      <p:italic r:id="rId22"/>
+      <p:boldItalic r:id="rId23"/>
     </p:embeddedFont>
   </p:embeddedFontLst>
   <p:defaultTextStyle>
@@ -207,7 +209,7 @@
             </a:lvl1pPr>
           </a:lstStyle>
           <a:p>
-            <a:endParaRPr lang="de-DE"/>
+            <a:endParaRPr lang="de-DE" dirty="0"/>
           </a:p>
         </p:txBody>
       </p:sp>
@@ -240,9 +242,9 @@
           <a:p>
             <a:fld id="{C6AC6211-610F-44E5-BF19-D3CDF6EDD281}" type="datetimeFigureOut">
               <a:rPr lang="de-DE" smtClean="0"/>
-              <a:t>30.05.2021</a:t>
+              <a:t>02.06.2021</a:t>
             </a:fld>
-            <a:endParaRPr lang="de-DE"/>
+            <a:endParaRPr lang="de-DE" dirty="0"/>
           </a:p>
         </p:txBody>
       </p:sp>
@@ -273,7 +275,7 @@
             </a:lvl1pPr>
           </a:lstStyle>
           <a:p>
-            <a:endParaRPr lang="de-DE"/>
+            <a:endParaRPr lang="de-DE" dirty="0"/>
           </a:p>
         </p:txBody>
       </p:sp>
@@ -308,7 +310,7 @@
               <a:rPr lang="de-DE" smtClean="0"/>
               <a:t>‹Nr.›</a:t>
             </a:fld>
-            <a:endParaRPr lang="de-DE"/>
+            <a:endParaRPr lang="de-DE" dirty="0"/>
           </a:p>
         </p:txBody>
       </p:sp>
@@ -373,7 +375,7 @@
             </a:lvl1pPr>
           </a:lstStyle>
           <a:p>
-            <a:endParaRPr lang="de-DE"/>
+            <a:endParaRPr lang="de-DE" dirty="0"/>
           </a:p>
         </p:txBody>
       </p:sp>
@@ -406,9 +408,9 @@
           <a:p>
             <a:fld id="{347435D3-23A6-45D3-8DFA-7317DC1E7A64}" type="datetimeFigureOut">
               <a:rPr lang="de-DE" smtClean="0"/>
-              <a:t>30.05.2021</a:t>
+              <a:t>02.06.2021</a:t>
             </a:fld>
-            <a:endParaRPr lang="de-DE"/>
+            <a:endParaRPr lang="de-DE" dirty="0"/>
           </a:p>
         </p:txBody>
       </p:sp>
@@ -441,7 +443,7 @@
           <a:bodyPr vert="horz" lIns="91440" tIns="45720" rIns="91440" bIns="45720" rtlCol="0" anchor="ctr"/>
           <a:lstStyle/>
           <a:p>
-            <a:endParaRPr lang="de-DE"/>
+            <a:endParaRPr lang="de-DE" dirty="0"/>
           </a:p>
         </p:txBody>
       </p:sp>
@@ -531,7 +533,7 @@
             </a:lvl1pPr>
           </a:lstStyle>
           <a:p>
-            <a:endParaRPr lang="de-DE"/>
+            <a:endParaRPr lang="de-DE" dirty="0"/>
           </a:p>
         </p:txBody>
       </p:sp>
@@ -566,7 +568,7 @@
               <a:rPr lang="de-DE" smtClean="0"/>
               <a:t>‹Nr.›</a:t>
             </a:fld>
-            <a:endParaRPr lang="de-DE"/>
+            <a:endParaRPr lang="de-DE" dirty="0"/>
           </a:p>
         </p:txBody>
       </p:sp>
@@ -741,7 +743,7 @@
           <a:lstStyle/>
           <a:p>
             <a:pPr algn="ctr"/>
-            <a:endParaRPr lang="de-DE" sz="1800"/>
+            <a:endParaRPr lang="de-DE" sz="1800" dirty="0"/>
           </a:p>
         </p:txBody>
       </p:sp>
@@ -965,7 +967,7 @@
           <a:lstStyle/>
           <a:p>
             <a:pPr algn="ctr"/>
-            <a:endParaRPr lang="de-DE" sz="1800"/>
+            <a:endParaRPr lang="de-DE" sz="1800" dirty="0"/>
           </a:p>
         </p:txBody>
       </p:sp>
@@ -1213,7 +1215,7 @@
           <a:lstStyle/>
           <a:p>
             <a:r>
-              <a:rPr lang="de-DE"/>
+              <a:rPr lang="de-DE" dirty="0"/>
               <a:t>Bild durch Klicken auf Symbol hinzufügen</a:t>
             </a:r>
           </a:p>
@@ -1271,7 +1273,7 @@
           <a:lstStyle/>
           <a:p>
             <a:r>
-              <a:rPr lang="de-DE"/>
+              <a:rPr lang="de-DE" dirty="0"/>
               <a:t>Bild durch Klicken auf Symbol hinzufügen</a:t>
             </a:r>
           </a:p>
@@ -1839,7 +1841,7 @@
           <a:lstStyle/>
           <a:p>
             <a:pPr algn="ctr"/>
-            <a:endParaRPr lang="de-DE" sz="1800"/>
+            <a:endParaRPr lang="de-DE" sz="1800" dirty="0"/>
           </a:p>
         </p:txBody>
       </p:sp>
@@ -1958,10 +1960,9 @@
           <a:lstStyle/>
           <a:p>
             <a:r>
-              <a:rPr lang="de-DE"/>
+              <a:rPr lang="de-DE" dirty="0"/>
               <a:t>Bild durch Klicken auf Symbol hinzufügen</a:t>
             </a:r>
-            <a:endParaRPr lang="de-DE" dirty="0"/>
           </a:p>
         </p:txBody>
       </p:sp>
@@ -1986,10 +1987,9 @@
           <a:lstStyle/>
           <a:p>
             <a:r>
-              <a:rPr lang="de-DE"/>
+              <a:rPr lang="de-DE" dirty="0"/>
               <a:t>Bild durch Klicken auf Symbol hinzufügen</a:t>
             </a:r>
-            <a:endParaRPr lang="de-DE" dirty="0"/>
           </a:p>
         </p:txBody>
       </p:sp>
@@ -2014,10 +2014,9 @@
           <a:lstStyle/>
           <a:p>
             <a:r>
-              <a:rPr lang="de-DE"/>
+              <a:rPr lang="de-DE" dirty="0"/>
               <a:t>Bild durch Klicken auf Symbol hinzufügen</a:t>
             </a:r>
-            <a:endParaRPr lang="de-DE" dirty="0"/>
           </a:p>
         </p:txBody>
       </p:sp>
@@ -2118,10 +2117,9 @@
           <a:lstStyle/>
           <a:p>
             <a:r>
-              <a:rPr lang="de-DE"/>
+              <a:rPr lang="de-DE" dirty="0"/>
               <a:t>Bild durch Klicken auf Symbol hinzufügen</a:t>
             </a:r>
-            <a:endParaRPr lang="de-DE" dirty="0"/>
           </a:p>
         </p:txBody>
       </p:sp>
@@ -3641,6 +3639,2060 @@
 </p:sld>
 </file>
 
+<file path=ppt/slides/slide10.xml><?xml version="1.0" encoding="utf-8"?>
+<p:sld xmlns:a="http://schemas.openxmlformats.org/drawingml/2006/main" xmlns:r="http://schemas.openxmlformats.org/officeDocument/2006/relationships" xmlns:p="http://schemas.openxmlformats.org/presentationml/2006/main">
+  <p:cSld>
+    <p:spTree>
+      <p:nvGrpSpPr>
+        <p:cNvPr id="1" name=""/>
+        <p:cNvGrpSpPr/>
+        <p:nvPr/>
+      </p:nvGrpSpPr>
+      <p:grpSpPr>
+        <a:xfrm>
+          <a:off x="0" y="0"/>
+          <a:ext cx="0" cy="0"/>
+          <a:chOff x="0" y="0"/>
+          <a:chExt cx="0" cy="0"/>
+        </a:xfrm>
+      </p:grpSpPr>
+      <p:sp>
+        <p:nvSpPr>
+          <p:cNvPr id="3" name="Titel 2">
+            <a:extLst>
+              <a:ext uri="{FF2B5EF4-FFF2-40B4-BE49-F238E27FC236}">
+                <a16:creationId xmlns:a16="http://schemas.microsoft.com/office/drawing/2014/main" id="{99C16EE3-1BBA-43FE-A4C5-27B5BBDBAE1C}"/>
+              </a:ext>
+            </a:extLst>
+          </p:cNvPr>
+          <p:cNvSpPr>
+            <a:spLocks noGrp="1"/>
+          </p:cNvSpPr>
+          <p:nvPr>
+            <p:ph type="title"/>
+          </p:nvPr>
+        </p:nvSpPr>
+        <p:spPr/>
+        <p:txBody>
+          <a:bodyPr/>
+          <a:lstStyle/>
+          <a:p>
+            <a:r>
+              <a:rPr lang="en-US" dirty="0"/>
+              <a:t>Problem</a:t>
+            </a:r>
+            <a:br>
+              <a:rPr lang="en-US" dirty="0"/>
+            </a:br>
+            <a:r>
+              <a:rPr lang="en-US" b="0" dirty="0"/>
+              <a:t>The Himeno Benchmark</a:t>
+            </a:r>
+            <a:endParaRPr lang="en-US" dirty="0"/>
+          </a:p>
+        </p:txBody>
+      </p:sp>
+      <p:sp>
+        <p:nvSpPr>
+          <p:cNvPr id="4" name="Inhaltsplatzhalter 3">
+            <a:extLst>
+              <a:ext uri="{FF2B5EF4-FFF2-40B4-BE49-F238E27FC236}">
+                <a16:creationId xmlns:a16="http://schemas.microsoft.com/office/drawing/2014/main" id="{9AF596E9-AD00-4239-BF5A-45AB4FD590D8}"/>
+              </a:ext>
+            </a:extLst>
+          </p:cNvPr>
+          <p:cNvSpPr>
+            <a:spLocks noGrp="1"/>
+          </p:cNvSpPr>
+          <p:nvPr>
+            <p:ph sz="quarter" idx="10"/>
+          </p:nvPr>
+        </p:nvSpPr>
+        <p:spPr/>
+        <p:txBody>
+          <a:bodyPr/>
+          <a:lstStyle/>
+          <a:p>
+            <a:pPr marL="285750" indent="-285750">
+              <a:buFont typeface="Arial" panose="020B0604020202020204" pitchFamily="34" charset="0"/>
+              <a:buChar char="•"/>
+            </a:pPr>
+            <a:r>
+              <a:rPr lang="en-US" dirty="0"/>
+              <a:t>A </a:t>
+            </a:r>
+            <a:r>
+              <a:rPr lang="en-US" b="1" dirty="0"/>
+              <a:t>benchmarking </a:t>
+            </a:r>
+            <a:r>
+              <a:rPr lang="en-US" dirty="0"/>
+              <a:t>program</a:t>
+            </a:r>
+          </a:p>
+          <a:p>
+            <a:pPr marL="285750" indent="-285750">
+              <a:buFont typeface="Arial" panose="020B0604020202020204" pitchFamily="34" charset="0"/>
+              <a:buChar char="•"/>
+            </a:pPr>
+            <a:r>
+              <a:rPr lang="en-US" dirty="0"/>
+              <a:t>Extremely </a:t>
+            </a:r>
+            <a:r>
+              <a:rPr lang="en-US" b="1" dirty="0"/>
+              <a:t>memory intensive</a:t>
+            </a:r>
+          </a:p>
+          <a:p>
+            <a:pPr marL="285750" indent="-285750">
+              <a:buFont typeface="Arial" panose="020B0604020202020204" pitchFamily="34" charset="0"/>
+              <a:buChar char="•"/>
+            </a:pPr>
+            <a:r>
+              <a:rPr lang="en-US" dirty="0"/>
+              <a:t>Uses the </a:t>
+            </a:r>
+            <a:r>
+              <a:rPr lang="en-US" b="1" dirty="0"/>
+              <a:t>Jacobi method</a:t>
+            </a:r>
+            <a:r>
+              <a:rPr lang="en-US" dirty="0"/>
+              <a:t> for calculations</a:t>
+            </a:r>
+          </a:p>
+          <a:p>
+            <a:pPr marL="285750" indent="-285750">
+              <a:buFont typeface="Arial" panose="020B0604020202020204" pitchFamily="34" charset="0"/>
+              <a:buChar char="•"/>
+            </a:pPr>
+            <a:r>
+              <a:rPr lang="en-US" dirty="0"/>
+              <a:t>Works on several 4D-Matrices, where first 3 dimensions are same size</a:t>
+            </a:r>
+          </a:p>
+          <a:p>
+            <a:pPr marL="285750" indent="-285750">
+              <a:buFont typeface="Arial" panose="020B0604020202020204" pitchFamily="34" charset="0"/>
+              <a:buChar char="•"/>
+            </a:pPr>
+            <a:endParaRPr lang="en-US" dirty="0"/>
+          </a:p>
+        </p:txBody>
+      </p:sp>
+    </p:spTree>
+    <p:extLst>
+      <p:ext uri="{BB962C8B-B14F-4D97-AF65-F5344CB8AC3E}">
+        <p14:creationId xmlns:p14="http://schemas.microsoft.com/office/powerpoint/2010/main" val="421725614"/>
+      </p:ext>
+    </p:extLst>
+  </p:cSld>
+  <p:clrMapOvr>
+    <a:masterClrMapping/>
+  </p:clrMapOvr>
+</p:sld>
+</file>
+
+<file path=ppt/slides/slide11.xml><?xml version="1.0" encoding="utf-8"?>
+<p:sld xmlns:a="http://schemas.openxmlformats.org/drawingml/2006/main" xmlns:r="http://schemas.openxmlformats.org/officeDocument/2006/relationships" xmlns:p="http://schemas.openxmlformats.org/presentationml/2006/main">
+  <p:cSld>
+    <p:spTree>
+      <p:nvGrpSpPr>
+        <p:cNvPr id="1" name=""/>
+        <p:cNvGrpSpPr/>
+        <p:nvPr/>
+      </p:nvGrpSpPr>
+      <p:grpSpPr>
+        <a:xfrm>
+          <a:off x="0" y="0"/>
+          <a:ext cx="0" cy="0"/>
+          <a:chOff x="0" y="0"/>
+          <a:chExt cx="0" cy="0"/>
+        </a:xfrm>
+      </p:grpSpPr>
+      <p:sp>
+        <p:nvSpPr>
+          <p:cNvPr id="3" name="Titel 2">
+            <a:extLst>
+              <a:ext uri="{FF2B5EF4-FFF2-40B4-BE49-F238E27FC236}">
+                <a16:creationId xmlns:a16="http://schemas.microsoft.com/office/drawing/2014/main" id="{99C16EE3-1BBA-43FE-A4C5-27B5BBDBAE1C}"/>
+              </a:ext>
+            </a:extLst>
+          </p:cNvPr>
+          <p:cNvSpPr>
+            <a:spLocks noGrp="1"/>
+          </p:cNvSpPr>
+          <p:nvPr>
+            <p:ph type="title"/>
+          </p:nvPr>
+        </p:nvSpPr>
+        <p:spPr/>
+        <p:txBody>
+          <a:bodyPr/>
+          <a:lstStyle/>
+          <a:p>
+            <a:r>
+              <a:rPr lang="en-US" dirty="0"/>
+              <a:t>Unoptimized Algorithm</a:t>
+            </a:r>
+            <a:br>
+              <a:rPr lang="en-US" dirty="0"/>
+            </a:br>
+            <a:r>
+              <a:rPr lang="en-US" b="0" dirty="0"/>
+              <a:t>The Himeno Benchmark</a:t>
+            </a:r>
+            <a:endParaRPr lang="en-US" dirty="0"/>
+          </a:p>
+        </p:txBody>
+      </p:sp>
+      <p:sp>
+        <p:nvSpPr>
+          <p:cNvPr id="4" name="Inhaltsplatzhalter 3">
+            <a:extLst>
+              <a:ext uri="{FF2B5EF4-FFF2-40B4-BE49-F238E27FC236}">
+                <a16:creationId xmlns:a16="http://schemas.microsoft.com/office/drawing/2014/main" id="{9AF596E9-AD00-4239-BF5A-45AB4FD590D8}"/>
+              </a:ext>
+            </a:extLst>
+          </p:cNvPr>
+          <p:cNvSpPr>
+            <a:spLocks noGrp="1"/>
+          </p:cNvSpPr>
+          <p:nvPr>
+            <p:ph sz="quarter" idx="10"/>
+          </p:nvPr>
+        </p:nvSpPr>
+        <p:spPr/>
+        <p:txBody>
+          <a:bodyPr/>
+          <a:lstStyle/>
+          <a:p>
+            <a:pPr>
+              <a:spcBef>
+                <a:spcPts val="0"/>
+              </a:spcBef>
+            </a:pPr>
+            <a:r>
+              <a:rPr lang="en-US" b="1" dirty="0">
+                <a:latin typeface="Courier New" panose="02070309020205020404" pitchFamily="49" charset="0"/>
+                <a:cs typeface="Courier New" panose="02070309020205020404" pitchFamily="49" charset="0"/>
+              </a:rPr>
+              <a:t>input: </a:t>
+            </a:r>
+            <a:r>
+              <a:rPr lang="en-US" dirty="0" err="1">
+                <a:solidFill>
+                  <a:schemeClr val="accent1"/>
+                </a:solidFill>
+                <a:latin typeface="Courier New" panose="02070309020205020404" pitchFamily="49" charset="0"/>
+                <a:cs typeface="Courier New" panose="02070309020205020404" pitchFamily="49" charset="0"/>
+              </a:rPr>
+              <a:t>uint</a:t>
+            </a:r>
+            <a:r>
+              <a:rPr lang="en-US" dirty="0">
+                <a:latin typeface="Courier New" panose="02070309020205020404" pitchFamily="49" charset="0"/>
+                <a:cs typeface="Courier New" panose="02070309020205020404" pitchFamily="49" charset="0"/>
+              </a:rPr>
+              <a:t> </a:t>
+            </a:r>
+            <a:r>
+              <a:rPr lang="en-US" dirty="0">
+                <a:solidFill>
+                  <a:schemeClr val="accent5"/>
+                </a:solidFill>
+                <a:latin typeface="Courier New" panose="02070309020205020404" pitchFamily="49" charset="0"/>
+                <a:cs typeface="Courier New" panose="02070309020205020404" pitchFamily="49" charset="0"/>
+              </a:rPr>
+              <a:t>rows</a:t>
+            </a:r>
+            <a:r>
+              <a:rPr lang="en-US" dirty="0">
+                <a:latin typeface="Courier New" panose="02070309020205020404" pitchFamily="49" charset="0"/>
+                <a:cs typeface="Courier New" panose="02070309020205020404" pitchFamily="49" charset="0"/>
+              </a:rPr>
+              <a:t>, </a:t>
+            </a:r>
+            <a:r>
+              <a:rPr lang="en-US" dirty="0" err="1">
+                <a:solidFill>
+                  <a:schemeClr val="accent1"/>
+                </a:solidFill>
+                <a:latin typeface="Courier New" panose="02070309020205020404" pitchFamily="49" charset="0"/>
+                <a:cs typeface="Courier New" panose="02070309020205020404" pitchFamily="49" charset="0"/>
+              </a:rPr>
+              <a:t>uint</a:t>
+            </a:r>
+            <a:r>
+              <a:rPr lang="en-US" dirty="0">
+                <a:latin typeface="Courier New" panose="02070309020205020404" pitchFamily="49" charset="0"/>
+                <a:cs typeface="Courier New" panose="02070309020205020404" pitchFamily="49" charset="0"/>
+              </a:rPr>
+              <a:t> </a:t>
+            </a:r>
+            <a:r>
+              <a:rPr lang="en-US" dirty="0">
+                <a:solidFill>
+                  <a:schemeClr val="accent5"/>
+                </a:solidFill>
+                <a:latin typeface="Courier New" panose="02070309020205020404" pitchFamily="49" charset="0"/>
+                <a:cs typeface="Courier New" panose="02070309020205020404" pitchFamily="49" charset="0"/>
+              </a:rPr>
+              <a:t>cols</a:t>
+            </a:r>
+            <a:r>
+              <a:rPr lang="en-US" dirty="0">
+                <a:latin typeface="Courier New" panose="02070309020205020404" pitchFamily="49" charset="0"/>
+                <a:cs typeface="Courier New" panose="02070309020205020404" pitchFamily="49" charset="0"/>
+              </a:rPr>
+              <a:t>, </a:t>
+            </a:r>
+            <a:r>
+              <a:rPr lang="en-US" dirty="0" err="1">
+                <a:solidFill>
+                  <a:schemeClr val="accent1"/>
+                </a:solidFill>
+                <a:latin typeface="Courier New" panose="02070309020205020404" pitchFamily="49" charset="0"/>
+                <a:cs typeface="Courier New" panose="02070309020205020404" pitchFamily="49" charset="0"/>
+              </a:rPr>
+              <a:t>uint</a:t>
+            </a:r>
+            <a:r>
+              <a:rPr lang="en-US" dirty="0">
+                <a:latin typeface="Courier New" panose="02070309020205020404" pitchFamily="49" charset="0"/>
+                <a:cs typeface="Courier New" panose="02070309020205020404" pitchFamily="49" charset="0"/>
+              </a:rPr>
+              <a:t> </a:t>
+            </a:r>
+            <a:r>
+              <a:rPr lang="en-US" dirty="0">
+                <a:solidFill>
+                  <a:schemeClr val="accent5"/>
+                </a:solidFill>
+                <a:latin typeface="Courier New" panose="02070309020205020404" pitchFamily="49" charset="0"/>
+                <a:cs typeface="Courier New" panose="02070309020205020404" pitchFamily="49" charset="0"/>
+              </a:rPr>
+              <a:t>deps</a:t>
+            </a:r>
+            <a:r>
+              <a:rPr lang="en-US" dirty="0">
+                <a:latin typeface="Courier New" panose="02070309020205020404" pitchFamily="49" charset="0"/>
+                <a:cs typeface="Courier New" panose="02070309020205020404" pitchFamily="49" charset="0"/>
+              </a:rPr>
+              <a:t>,</a:t>
+            </a:r>
+            <a:r>
+              <a:rPr lang="en-US" dirty="0">
+                <a:solidFill>
+                  <a:schemeClr val="accent5"/>
+                </a:solidFill>
+                <a:latin typeface="Courier New" panose="02070309020205020404" pitchFamily="49" charset="0"/>
+                <a:cs typeface="Courier New" panose="02070309020205020404" pitchFamily="49" charset="0"/>
+              </a:rPr>
+              <a:t> </a:t>
+            </a:r>
+            <a:r>
+              <a:rPr lang="en-US" dirty="0" err="1">
+                <a:solidFill>
+                  <a:schemeClr val="accent1"/>
+                </a:solidFill>
+                <a:latin typeface="Courier New" panose="02070309020205020404" pitchFamily="49" charset="0"/>
+                <a:cs typeface="Courier New" panose="02070309020205020404" pitchFamily="49" charset="0"/>
+              </a:rPr>
+              <a:t>uint</a:t>
+            </a:r>
+            <a:r>
+              <a:rPr lang="en-US" dirty="0">
+                <a:latin typeface="Courier New" panose="02070309020205020404" pitchFamily="49" charset="0"/>
+                <a:cs typeface="Courier New" panose="02070309020205020404" pitchFamily="49" charset="0"/>
+              </a:rPr>
+              <a:t> </a:t>
+            </a:r>
+            <a:r>
+              <a:rPr lang="en-US" dirty="0" err="1">
+                <a:solidFill>
+                  <a:schemeClr val="accent5"/>
+                </a:solidFill>
+                <a:latin typeface="Courier New" panose="02070309020205020404" pitchFamily="49" charset="0"/>
+                <a:cs typeface="Courier New" panose="02070309020205020404" pitchFamily="49" charset="0"/>
+              </a:rPr>
+              <a:t>nn</a:t>
+            </a:r>
+            <a:endParaRPr lang="en-US" dirty="0">
+              <a:solidFill>
+                <a:schemeClr val="accent5"/>
+              </a:solidFill>
+              <a:latin typeface="Courier New" panose="02070309020205020404" pitchFamily="49" charset="0"/>
+              <a:cs typeface="Courier New" panose="02070309020205020404" pitchFamily="49" charset="0"/>
+            </a:endParaRPr>
+          </a:p>
+          <a:p>
+            <a:pPr>
+              <a:spcBef>
+                <a:spcPts val="0"/>
+              </a:spcBef>
+            </a:pPr>
+            <a:r>
+              <a:rPr lang="en-US" b="1" dirty="0">
+                <a:latin typeface="Courier New" panose="02070309020205020404" pitchFamily="49" charset="0"/>
+                <a:cs typeface="Courier New" panose="02070309020205020404" pitchFamily="49" charset="0"/>
+              </a:rPr>
+              <a:t>output: </a:t>
+            </a:r>
+            <a:r>
+              <a:rPr lang="en-US" dirty="0">
+                <a:solidFill>
+                  <a:schemeClr val="accent1"/>
+                </a:solidFill>
+                <a:latin typeface="Courier New" panose="02070309020205020404" pitchFamily="49" charset="0"/>
+                <a:cs typeface="Courier New" panose="02070309020205020404" pitchFamily="49" charset="0"/>
+              </a:rPr>
+              <a:t>float</a:t>
+            </a:r>
+            <a:endParaRPr lang="en-US" dirty="0">
+              <a:latin typeface="Courier New" panose="02070309020205020404" pitchFamily="49" charset="0"/>
+              <a:cs typeface="Courier New" panose="02070309020205020404" pitchFamily="49" charset="0"/>
+            </a:endParaRPr>
+          </a:p>
+          <a:p>
+            <a:pPr>
+              <a:spcBef>
+                <a:spcPts val="0"/>
+              </a:spcBef>
+            </a:pPr>
+            <a:r>
+              <a:rPr lang="en-US" b="1" dirty="0">
+                <a:latin typeface="Courier New" panose="02070309020205020404" pitchFamily="49" charset="0"/>
+                <a:cs typeface="Courier New" panose="02070309020205020404" pitchFamily="49" charset="0"/>
+              </a:rPr>
+              <a:t>begin</a:t>
+            </a:r>
+          </a:p>
+          <a:p>
+            <a:pPr>
+              <a:spcBef>
+                <a:spcPts val="0"/>
+              </a:spcBef>
+            </a:pPr>
+            <a:r>
+              <a:rPr lang="en-US" b="1" dirty="0">
+                <a:latin typeface="Courier New" panose="02070309020205020404" pitchFamily="49" charset="0"/>
+                <a:cs typeface="Courier New" panose="02070309020205020404" pitchFamily="49" charset="0"/>
+              </a:rPr>
+              <a:t>    </a:t>
+            </a:r>
+            <a:r>
+              <a:rPr lang="en-US" dirty="0" err="1">
+                <a:solidFill>
+                  <a:srgbClr val="6F924B"/>
+                </a:solidFill>
+                <a:latin typeface="Courier New" panose="02070309020205020404" pitchFamily="49" charset="0"/>
+                <a:cs typeface="Courier New" panose="02070309020205020404" pitchFamily="49" charset="0"/>
+              </a:rPr>
+              <a:t>initialize_matrices</a:t>
+            </a:r>
+            <a:r>
+              <a:rPr lang="en-US" dirty="0">
+                <a:latin typeface="Courier New" panose="02070309020205020404" pitchFamily="49" charset="0"/>
+                <a:cs typeface="Courier New" panose="02070309020205020404" pitchFamily="49" charset="0"/>
+              </a:rPr>
+              <a:t>()</a:t>
+            </a:r>
+            <a:endParaRPr lang="en-US" b="1" dirty="0">
+              <a:latin typeface="Courier New" panose="02070309020205020404" pitchFamily="49" charset="0"/>
+              <a:cs typeface="Courier New" panose="02070309020205020404" pitchFamily="49" charset="0"/>
+            </a:endParaRPr>
+          </a:p>
+          <a:p>
+            <a:pPr>
+              <a:spcBef>
+                <a:spcPts val="0"/>
+              </a:spcBef>
+            </a:pPr>
+            <a:r>
+              <a:rPr lang="en-US" dirty="0">
+                <a:latin typeface="Courier New" panose="02070309020205020404" pitchFamily="49" charset="0"/>
+                <a:cs typeface="Courier New" panose="02070309020205020404" pitchFamily="49" charset="0"/>
+              </a:rPr>
+              <a:t>    </a:t>
+            </a:r>
+            <a:r>
+              <a:rPr lang="en-US" dirty="0">
+                <a:solidFill>
+                  <a:schemeClr val="accent1"/>
+                </a:solidFill>
+                <a:latin typeface="Courier New" panose="02070309020205020404" pitchFamily="49" charset="0"/>
+                <a:cs typeface="Courier New" panose="02070309020205020404" pitchFamily="49" charset="0"/>
+              </a:rPr>
+              <a:t>let</a:t>
+            </a:r>
+            <a:r>
+              <a:rPr lang="en-US" dirty="0">
+                <a:latin typeface="Courier New" panose="02070309020205020404" pitchFamily="49" charset="0"/>
+                <a:cs typeface="Courier New" panose="02070309020205020404" pitchFamily="49" charset="0"/>
+              </a:rPr>
+              <a:t> </a:t>
+            </a:r>
+            <a:r>
+              <a:rPr lang="en-US" dirty="0" err="1">
+                <a:solidFill>
+                  <a:srgbClr val="7030A0"/>
+                </a:solidFill>
+                <a:latin typeface="Courier New" panose="02070309020205020404" pitchFamily="49" charset="0"/>
+                <a:cs typeface="Courier New" panose="02070309020205020404" pitchFamily="49" charset="0"/>
+              </a:rPr>
+              <a:t>gosa</a:t>
+            </a:r>
+            <a:r>
+              <a:rPr lang="en-US" dirty="0">
+                <a:latin typeface="Courier New" panose="02070309020205020404" pitchFamily="49" charset="0"/>
+                <a:cs typeface="Courier New" panose="02070309020205020404" pitchFamily="49" charset="0"/>
+              </a:rPr>
+              <a:t> = 0.0</a:t>
+            </a:r>
+          </a:p>
+          <a:p>
+            <a:pPr>
+              <a:spcBef>
+                <a:spcPts val="0"/>
+              </a:spcBef>
+            </a:pPr>
+            <a:endParaRPr lang="en-US" dirty="0">
+              <a:latin typeface="Courier New" panose="02070309020205020404" pitchFamily="49" charset="0"/>
+              <a:cs typeface="Courier New" panose="02070309020205020404" pitchFamily="49" charset="0"/>
+            </a:endParaRPr>
+          </a:p>
+          <a:p>
+            <a:pPr>
+              <a:spcBef>
+                <a:spcPts val="0"/>
+              </a:spcBef>
+            </a:pPr>
+            <a:r>
+              <a:rPr lang="en-US" dirty="0">
+                <a:latin typeface="Courier New" panose="02070309020205020404" pitchFamily="49" charset="0"/>
+                <a:cs typeface="Courier New" panose="02070309020205020404" pitchFamily="49" charset="0"/>
+              </a:rPr>
+              <a:t>    </a:t>
+            </a:r>
+            <a:r>
+              <a:rPr lang="en-US" dirty="0">
+                <a:solidFill>
+                  <a:srgbClr val="00B0F0"/>
+                </a:solidFill>
+                <a:latin typeface="Courier New" panose="02070309020205020404" pitchFamily="49" charset="0"/>
+                <a:cs typeface="Courier New" panose="02070309020205020404" pitchFamily="49" charset="0"/>
+              </a:rPr>
+              <a:t>for</a:t>
+            </a:r>
+            <a:r>
+              <a:rPr lang="en-US" dirty="0">
+                <a:latin typeface="Courier New" panose="02070309020205020404" pitchFamily="49" charset="0"/>
+                <a:cs typeface="Courier New" panose="02070309020205020404" pitchFamily="49" charset="0"/>
+              </a:rPr>
+              <a:t> </a:t>
+            </a:r>
+            <a:r>
+              <a:rPr lang="en-US" dirty="0">
+                <a:solidFill>
+                  <a:srgbClr val="7030A0"/>
+                </a:solidFill>
+                <a:latin typeface="Courier New" panose="02070309020205020404" pitchFamily="49" charset="0"/>
+                <a:cs typeface="Courier New" panose="02070309020205020404" pitchFamily="49" charset="0"/>
+              </a:rPr>
+              <a:t>n</a:t>
+            </a:r>
+            <a:r>
+              <a:rPr lang="en-US" dirty="0">
+                <a:latin typeface="Courier New" panose="02070309020205020404" pitchFamily="49" charset="0"/>
+                <a:cs typeface="Courier New" panose="02070309020205020404" pitchFamily="49" charset="0"/>
+              </a:rPr>
+              <a:t> </a:t>
+            </a:r>
+            <a:r>
+              <a:rPr lang="en-US" dirty="0">
+                <a:solidFill>
+                  <a:srgbClr val="00B0F0"/>
+                </a:solidFill>
+                <a:latin typeface="Courier New" panose="02070309020205020404" pitchFamily="49" charset="0"/>
+                <a:cs typeface="Courier New" panose="02070309020205020404" pitchFamily="49" charset="0"/>
+              </a:rPr>
+              <a:t>in</a:t>
+            </a:r>
+            <a:r>
+              <a:rPr lang="en-US" dirty="0">
+                <a:latin typeface="Courier New" panose="02070309020205020404" pitchFamily="49" charset="0"/>
+                <a:cs typeface="Courier New" panose="02070309020205020404" pitchFamily="49" charset="0"/>
+              </a:rPr>
+              <a:t> 0..</a:t>
+            </a:r>
+            <a:r>
+              <a:rPr lang="en-US" dirty="0">
+                <a:solidFill>
+                  <a:srgbClr val="7030A0"/>
+                </a:solidFill>
+                <a:latin typeface="Courier New" panose="02070309020205020404" pitchFamily="49" charset="0"/>
+                <a:cs typeface="Courier New" panose="02070309020205020404" pitchFamily="49" charset="0"/>
+              </a:rPr>
+              <a:t>nn</a:t>
+            </a:r>
+            <a:r>
+              <a:rPr lang="en-US" dirty="0">
+                <a:latin typeface="Courier New" panose="02070309020205020404" pitchFamily="49" charset="0"/>
+                <a:cs typeface="Courier New" panose="02070309020205020404" pitchFamily="49" charset="0"/>
+              </a:rPr>
+              <a:t>:</a:t>
+            </a:r>
+          </a:p>
+          <a:p>
+            <a:pPr>
+              <a:spcBef>
+                <a:spcPts val="0"/>
+              </a:spcBef>
+            </a:pPr>
+            <a:endParaRPr lang="en-US" dirty="0">
+              <a:latin typeface="Courier New" panose="02070309020205020404" pitchFamily="49" charset="0"/>
+              <a:cs typeface="Courier New" panose="02070309020205020404" pitchFamily="49" charset="0"/>
+            </a:endParaRPr>
+          </a:p>
+          <a:p>
+            <a:pPr>
+              <a:spcBef>
+                <a:spcPts val="0"/>
+              </a:spcBef>
+            </a:pPr>
+            <a:r>
+              <a:rPr lang="en-US" dirty="0">
+                <a:latin typeface="Courier New" panose="02070309020205020404" pitchFamily="49" charset="0"/>
+                <a:cs typeface="Courier New" panose="02070309020205020404" pitchFamily="49" charset="0"/>
+              </a:rPr>
+              <a:t>        </a:t>
+            </a:r>
+            <a:r>
+              <a:rPr lang="en-US" dirty="0">
+                <a:solidFill>
+                  <a:srgbClr val="00B0F0"/>
+                </a:solidFill>
+                <a:latin typeface="Courier New" panose="02070309020205020404" pitchFamily="49" charset="0"/>
+                <a:cs typeface="Courier New" panose="02070309020205020404" pitchFamily="49" charset="0"/>
+              </a:rPr>
+              <a:t>for</a:t>
+            </a:r>
+            <a:r>
+              <a:rPr lang="en-US" dirty="0">
+                <a:latin typeface="Courier New" panose="02070309020205020404" pitchFamily="49" charset="0"/>
+                <a:cs typeface="Courier New" panose="02070309020205020404" pitchFamily="49" charset="0"/>
+              </a:rPr>
+              <a:t> </a:t>
+            </a:r>
+            <a:r>
+              <a:rPr lang="en-US" dirty="0">
+                <a:solidFill>
+                  <a:srgbClr val="7030A0"/>
+                </a:solidFill>
+                <a:latin typeface="Courier New" panose="02070309020205020404" pitchFamily="49" charset="0"/>
+                <a:cs typeface="Courier New" panose="02070309020205020404" pitchFamily="49" charset="0"/>
+              </a:rPr>
+              <a:t>r</a:t>
+            </a:r>
+            <a:r>
+              <a:rPr lang="en-US" dirty="0">
+                <a:latin typeface="Courier New" panose="02070309020205020404" pitchFamily="49" charset="0"/>
+                <a:cs typeface="Courier New" panose="02070309020205020404" pitchFamily="49" charset="0"/>
+              </a:rPr>
+              <a:t> </a:t>
+            </a:r>
+            <a:r>
+              <a:rPr lang="en-US" dirty="0">
+                <a:solidFill>
+                  <a:srgbClr val="00B0F0"/>
+                </a:solidFill>
+                <a:latin typeface="Courier New" panose="02070309020205020404" pitchFamily="49" charset="0"/>
+                <a:cs typeface="Courier New" panose="02070309020205020404" pitchFamily="49" charset="0"/>
+              </a:rPr>
+              <a:t>in</a:t>
+            </a:r>
+            <a:r>
+              <a:rPr lang="en-US" dirty="0">
+                <a:latin typeface="Courier New" panose="02070309020205020404" pitchFamily="49" charset="0"/>
+                <a:cs typeface="Courier New" panose="02070309020205020404" pitchFamily="49" charset="0"/>
+              </a:rPr>
+              <a:t> 1..</a:t>
+            </a:r>
+            <a:r>
+              <a:rPr lang="en-US" dirty="0">
+                <a:solidFill>
+                  <a:srgbClr val="7030A0"/>
+                </a:solidFill>
+                <a:latin typeface="Courier New" panose="02070309020205020404" pitchFamily="49" charset="0"/>
+                <a:cs typeface="Courier New" panose="02070309020205020404" pitchFamily="49" charset="0"/>
+              </a:rPr>
+              <a:t>rows</a:t>
+            </a:r>
+            <a:r>
+              <a:rPr lang="en-US" dirty="0">
+                <a:latin typeface="Courier New" panose="02070309020205020404" pitchFamily="49" charset="0"/>
+                <a:cs typeface="Courier New" panose="02070309020205020404" pitchFamily="49" charset="0"/>
+              </a:rPr>
+              <a:t>-1:</a:t>
+            </a:r>
+          </a:p>
+          <a:p>
+            <a:pPr>
+              <a:spcBef>
+                <a:spcPts val="0"/>
+              </a:spcBef>
+            </a:pPr>
+            <a:r>
+              <a:rPr lang="en-US" dirty="0">
+                <a:latin typeface="Courier New" panose="02070309020205020404" pitchFamily="49" charset="0"/>
+                <a:cs typeface="Courier New" panose="02070309020205020404" pitchFamily="49" charset="0"/>
+              </a:rPr>
+              <a:t>            </a:t>
+            </a:r>
+            <a:r>
+              <a:rPr lang="en-US" dirty="0">
+                <a:solidFill>
+                  <a:srgbClr val="00B0F0"/>
+                </a:solidFill>
+                <a:latin typeface="Courier New" panose="02070309020205020404" pitchFamily="49" charset="0"/>
+                <a:cs typeface="Courier New" panose="02070309020205020404" pitchFamily="49" charset="0"/>
+              </a:rPr>
+              <a:t>for</a:t>
+            </a:r>
+            <a:r>
+              <a:rPr lang="en-US" dirty="0">
+                <a:latin typeface="Courier New" panose="02070309020205020404" pitchFamily="49" charset="0"/>
+                <a:cs typeface="Courier New" panose="02070309020205020404" pitchFamily="49" charset="0"/>
+              </a:rPr>
+              <a:t> </a:t>
+            </a:r>
+            <a:r>
+              <a:rPr lang="en-US" dirty="0">
+                <a:solidFill>
+                  <a:srgbClr val="7030A0"/>
+                </a:solidFill>
+                <a:latin typeface="Courier New" panose="02070309020205020404" pitchFamily="49" charset="0"/>
+                <a:cs typeface="Courier New" panose="02070309020205020404" pitchFamily="49" charset="0"/>
+              </a:rPr>
+              <a:t>c</a:t>
+            </a:r>
+            <a:r>
+              <a:rPr lang="en-US" dirty="0">
+                <a:latin typeface="Courier New" panose="02070309020205020404" pitchFamily="49" charset="0"/>
+                <a:cs typeface="Courier New" panose="02070309020205020404" pitchFamily="49" charset="0"/>
+              </a:rPr>
+              <a:t> </a:t>
+            </a:r>
+            <a:r>
+              <a:rPr lang="en-US" dirty="0">
+                <a:solidFill>
+                  <a:srgbClr val="00B0F0"/>
+                </a:solidFill>
+                <a:latin typeface="Courier New" panose="02070309020205020404" pitchFamily="49" charset="0"/>
+                <a:cs typeface="Courier New" panose="02070309020205020404" pitchFamily="49" charset="0"/>
+              </a:rPr>
+              <a:t>in</a:t>
+            </a:r>
+            <a:r>
+              <a:rPr lang="en-US" dirty="0">
+                <a:latin typeface="Courier New" panose="02070309020205020404" pitchFamily="49" charset="0"/>
+                <a:cs typeface="Courier New" panose="02070309020205020404" pitchFamily="49" charset="0"/>
+              </a:rPr>
+              <a:t> 1..</a:t>
+            </a:r>
+            <a:r>
+              <a:rPr lang="en-US" dirty="0">
+                <a:solidFill>
+                  <a:srgbClr val="7030A0"/>
+                </a:solidFill>
+                <a:latin typeface="Courier New" panose="02070309020205020404" pitchFamily="49" charset="0"/>
+                <a:cs typeface="Courier New" panose="02070309020205020404" pitchFamily="49" charset="0"/>
+              </a:rPr>
+              <a:t>cols</a:t>
+            </a:r>
+            <a:r>
+              <a:rPr lang="en-US" dirty="0">
+                <a:latin typeface="Courier New" panose="02070309020205020404" pitchFamily="49" charset="0"/>
+                <a:cs typeface="Courier New" panose="02070309020205020404" pitchFamily="49" charset="0"/>
+              </a:rPr>
+              <a:t>-1:</a:t>
+            </a:r>
+          </a:p>
+          <a:p>
+            <a:pPr>
+              <a:spcBef>
+                <a:spcPts val="0"/>
+              </a:spcBef>
+            </a:pPr>
+            <a:r>
+              <a:rPr lang="en-US" dirty="0">
+                <a:latin typeface="Courier New" panose="02070309020205020404" pitchFamily="49" charset="0"/>
+                <a:cs typeface="Courier New" panose="02070309020205020404" pitchFamily="49" charset="0"/>
+              </a:rPr>
+              <a:t>                </a:t>
+            </a:r>
+            <a:r>
+              <a:rPr lang="en-US" dirty="0">
+                <a:solidFill>
+                  <a:srgbClr val="00B0F0"/>
+                </a:solidFill>
+                <a:latin typeface="Courier New" panose="02070309020205020404" pitchFamily="49" charset="0"/>
+                <a:cs typeface="Courier New" panose="02070309020205020404" pitchFamily="49" charset="0"/>
+              </a:rPr>
+              <a:t>for</a:t>
+            </a:r>
+            <a:r>
+              <a:rPr lang="en-US" dirty="0">
+                <a:latin typeface="Courier New" panose="02070309020205020404" pitchFamily="49" charset="0"/>
+                <a:cs typeface="Courier New" panose="02070309020205020404" pitchFamily="49" charset="0"/>
+              </a:rPr>
+              <a:t> </a:t>
+            </a:r>
+            <a:r>
+              <a:rPr lang="en-US" dirty="0">
+                <a:solidFill>
+                  <a:srgbClr val="7030A0"/>
+                </a:solidFill>
+                <a:latin typeface="Courier New" panose="02070309020205020404" pitchFamily="49" charset="0"/>
+                <a:cs typeface="Courier New" panose="02070309020205020404" pitchFamily="49" charset="0"/>
+              </a:rPr>
+              <a:t>d</a:t>
+            </a:r>
+            <a:r>
+              <a:rPr lang="en-US" dirty="0">
+                <a:latin typeface="Courier New" panose="02070309020205020404" pitchFamily="49" charset="0"/>
+                <a:cs typeface="Courier New" panose="02070309020205020404" pitchFamily="49" charset="0"/>
+              </a:rPr>
+              <a:t> </a:t>
+            </a:r>
+            <a:r>
+              <a:rPr lang="en-US" dirty="0">
+                <a:solidFill>
+                  <a:srgbClr val="00B0F0"/>
+                </a:solidFill>
+                <a:latin typeface="Courier New" panose="02070309020205020404" pitchFamily="49" charset="0"/>
+                <a:cs typeface="Courier New" panose="02070309020205020404" pitchFamily="49" charset="0"/>
+              </a:rPr>
+              <a:t>in</a:t>
+            </a:r>
+            <a:r>
+              <a:rPr lang="en-US" dirty="0">
+                <a:latin typeface="Courier New" panose="02070309020205020404" pitchFamily="49" charset="0"/>
+                <a:cs typeface="Courier New" panose="02070309020205020404" pitchFamily="49" charset="0"/>
+              </a:rPr>
+              <a:t> 1..</a:t>
+            </a:r>
+            <a:r>
+              <a:rPr lang="en-US" dirty="0">
+                <a:solidFill>
+                  <a:srgbClr val="7030A0"/>
+                </a:solidFill>
+                <a:latin typeface="Courier New" panose="02070309020205020404" pitchFamily="49" charset="0"/>
+                <a:cs typeface="Courier New" panose="02070309020205020404" pitchFamily="49" charset="0"/>
+              </a:rPr>
+              <a:t>deps</a:t>
+            </a:r>
+            <a:r>
+              <a:rPr lang="en-US" dirty="0">
+                <a:latin typeface="Courier New" panose="02070309020205020404" pitchFamily="49" charset="0"/>
+                <a:cs typeface="Courier New" panose="02070309020205020404" pitchFamily="49" charset="0"/>
+              </a:rPr>
+              <a:t>-1:</a:t>
+            </a:r>
+          </a:p>
+          <a:p>
+            <a:pPr>
+              <a:spcBef>
+                <a:spcPts val="0"/>
+              </a:spcBef>
+            </a:pPr>
+            <a:r>
+              <a:rPr lang="en-US" dirty="0">
+                <a:latin typeface="Courier New" panose="02070309020205020404" pitchFamily="49" charset="0"/>
+                <a:cs typeface="Courier New" panose="02070309020205020404" pitchFamily="49" charset="0"/>
+              </a:rPr>
+              <a:t>                    </a:t>
+            </a:r>
+            <a:r>
+              <a:rPr lang="en-US" dirty="0">
+                <a:solidFill>
+                  <a:srgbClr val="00B0F0"/>
+                </a:solidFill>
+                <a:latin typeface="Courier New" panose="02070309020205020404" pitchFamily="49" charset="0"/>
+                <a:cs typeface="Courier New" panose="02070309020205020404" pitchFamily="49" charset="0"/>
+              </a:rPr>
+              <a:t>let</a:t>
+            </a:r>
+            <a:r>
+              <a:rPr lang="en-US" dirty="0">
+                <a:latin typeface="Courier New" panose="02070309020205020404" pitchFamily="49" charset="0"/>
+                <a:cs typeface="Courier New" panose="02070309020205020404" pitchFamily="49" charset="0"/>
+              </a:rPr>
+              <a:t> </a:t>
+            </a:r>
+            <a:r>
+              <a:rPr lang="en-US" dirty="0">
+                <a:solidFill>
+                  <a:srgbClr val="7030A0"/>
+                </a:solidFill>
+                <a:latin typeface="Courier New" panose="02070309020205020404" pitchFamily="49" charset="0"/>
+                <a:cs typeface="Courier New" panose="02070309020205020404" pitchFamily="49" charset="0"/>
+              </a:rPr>
+              <a:t>ss</a:t>
+            </a:r>
+            <a:r>
+              <a:rPr lang="en-US" dirty="0">
+                <a:latin typeface="Courier New" panose="02070309020205020404" pitchFamily="49" charset="0"/>
+                <a:cs typeface="Courier New" panose="02070309020205020404" pitchFamily="49" charset="0"/>
+              </a:rPr>
+              <a:t> = </a:t>
+            </a:r>
+            <a:r>
+              <a:rPr lang="en-US" dirty="0" err="1">
+                <a:solidFill>
+                  <a:srgbClr val="6F924B"/>
+                </a:solidFill>
+                <a:latin typeface="Courier New" panose="02070309020205020404" pitchFamily="49" charset="0"/>
+                <a:cs typeface="Courier New" panose="02070309020205020404" pitchFamily="49" charset="0"/>
+              </a:rPr>
+              <a:t>jacobi_iteration</a:t>
+            </a:r>
+            <a:r>
+              <a:rPr lang="en-US" dirty="0">
+                <a:latin typeface="Courier New" panose="02070309020205020404" pitchFamily="49" charset="0"/>
+                <a:cs typeface="Courier New" panose="02070309020205020404" pitchFamily="49" charset="0"/>
+              </a:rPr>
+              <a:t>(</a:t>
+            </a:r>
+            <a:r>
+              <a:rPr lang="en-US" dirty="0">
+                <a:solidFill>
+                  <a:srgbClr val="7030A0"/>
+                </a:solidFill>
+                <a:latin typeface="Courier New" panose="02070309020205020404" pitchFamily="49" charset="0"/>
+                <a:cs typeface="Courier New" panose="02070309020205020404" pitchFamily="49" charset="0"/>
+              </a:rPr>
+              <a:t>r</a:t>
+            </a:r>
+            <a:r>
+              <a:rPr lang="en-US" dirty="0">
+                <a:latin typeface="Courier New" panose="02070309020205020404" pitchFamily="49" charset="0"/>
+                <a:cs typeface="Courier New" panose="02070309020205020404" pitchFamily="49" charset="0"/>
+              </a:rPr>
+              <a:t>, </a:t>
+            </a:r>
+            <a:r>
+              <a:rPr lang="en-US" dirty="0">
+                <a:solidFill>
+                  <a:srgbClr val="7030A0"/>
+                </a:solidFill>
+                <a:latin typeface="Courier New" panose="02070309020205020404" pitchFamily="49" charset="0"/>
+                <a:cs typeface="Courier New" panose="02070309020205020404" pitchFamily="49" charset="0"/>
+              </a:rPr>
+              <a:t>c</a:t>
+            </a:r>
+            <a:r>
+              <a:rPr lang="en-US" dirty="0">
+                <a:latin typeface="Courier New" panose="02070309020205020404" pitchFamily="49" charset="0"/>
+                <a:cs typeface="Courier New" panose="02070309020205020404" pitchFamily="49" charset="0"/>
+              </a:rPr>
+              <a:t>, </a:t>
+            </a:r>
+            <a:r>
+              <a:rPr lang="en-US" dirty="0">
+                <a:solidFill>
+                  <a:srgbClr val="7030A0"/>
+                </a:solidFill>
+                <a:latin typeface="Courier New" panose="02070309020205020404" pitchFamily="49" charset="0"/>
+                <a:cs typeface="Courier New" panose="02070309020205020404" pitchFamily="49" charset="0"/>
+              </a:rPr>
+              <a:t>d</a:t>
+            </a:r>
+            <a:r>
+              <a:rPr lang="en-US" dirty="0">
+                <a:latin typeface="Courier New" panose="02070309020205020404" pitchFamily="49" charset="0"/>
+                <a:cs typeface="Courier New" panose="02070309020205020404" pitchFamily="49" charset="0"/>
+              </a:rPr>
+              <a:t>)</a:t>
+            </a:r>
+          </a:p>
+          <a:p>
+            <a:pPr>
+              <a:spcBef>
+                <a:spcPts val="0"/>
+              </a:spcBef>
+            </a:pPr>
+            <a:r>
+              <a:rPr lang="en-US" dirty="0">
+                <a:latin typeface="Courier New" panose="02070309020205020404" pitchFamily="49" charset="0"/>
+                <a:cs typeface="Courier New" panose="02070309020205020404" pitchFamily="49" charset="0"/>
+              </a:rPr>
+              <a:t>                    </a:t>
+            </a:r>
+            <a:r>
+              <a:rPr lang="en-US" dirty="0" err="1">
+                <a:solidFill>
+                  <a:srgbClr val="7030A0"/>
+                </a:solidFill>
+                <a:latin typeface="Courier New" panose="02070309020205020404" pitchFamily="49" charset="0"/>
+                <a:cs typeface="Courier New" panose="02070309020205020404" pitchFamily="49" charset="0"/>
+              </a:rPr>
+              <a:t>gosa</a:t>
+            </a:r>
+            <a:r>
+              <a:rPr lang="en-US" dirty="0">
+                <a:latin typeface="Courier New" panose="02070309020205020404" pitchFamily="49" charset="0"/>
+                <a:cs typeface="Courier New" panose="02070309020205020404" pitchFamily="49" charset="0"/>
+              </a:rPr>
+              <a:t> += </a:t>
+            </a:r>
+            <a:r>
+              <a:rPr lang="en-US" dirty="0">
+                <a:solidFill>
+                  <a:srgbClr val="7030A0"/>
+                </a:solidFill>
+                <a:latin typeface="Courier New" panose="02070309020205020404" pitchFamily="49" charset="0"/>
+                <a:cs typeface="Courier New" panose="02070309020205020404" pitchFamily="49" charset="0"/>
+              </a:rPr>
+              <a:t>ss</a:t>
+            </a:r>
+            <a:r>
+              <a:rPr lang="en-US" dirty="0">
+                <a:latin typeface="Courier New" panose="02070309020205020404" pitchFamily="49" charset="0"/>
+                <a:cs typeface="Courier New" panose="02070309020205020404" pitchFamily="49" charset="0"/>
+              </a:rPr>
+              <a:t>*</a:t>
+            </a:r>
+            <a:r>
+              <a:rPr lang="en-US" dirty="0">
+                <a:solidFill>
+                  <a:srgbClr val="7030A0"/>
+                </a:solidFill>
+                <a:latin typeface="Courier New" panose="02070309020205020404" pitchFamily="49" charset="0"/>
+                <a:cs typeface="Courier New" panose="02070309020205020404" pitchFamily="49" charset="0"/>
+              </a:rPr>
+              <a:t>ss</a:t>
+            </a:r>
+          </a:p>
+          <a:p>
+            <a:pPr>
+              <a:spcBef>
+                <a:spcPts val="0"/>
+              </a:spcBef>
+            </a:pPr>
+            <a:r>
+              <a:rPr lang="en-US" dirty="0">
+                <a:latin typeface="Courier New" panose="02070309020205020404" pitchFamily="49" charset="0"/>
+                <a:cs typeface="Courier New" panose="02070309020205020404" pitchFamily="49" charset="0"/>
+              </a:rPr>
+              <a:t>                    </a:t>
+            </a:r>
+            <a:r>
+              <a:rPr lang="en-US" dirty="0">
+                <a:solidFill>
+                  <a:srgbClr val="7030A0"/>
+                </a:solidFill>
+                <a:latin typeface="Courier New" panose="02070309020205020404" pitchFamily="49" charset="0"/>
+                <a:cs typeface="Courier New" panose="02070309020205020404" pitchFamily="49" charset="0"/>
+              </a:rPr>
+              <a:t>wrk2</a:t>
+            </a:r>
+            <a:r>
+              <a:rPr lang="en-US" dirty="0">
+                <a:latin typeface="Courier New" panose="02070309020205020404" pitchFamily="49" charset="0"/>
+                <a:cs typeface="Courier New" panose="02070309020205020404" pitchFamily="49" charset="0"/>
+              </a:rPr>
+              <a:t>[0][</a:t>
+            </a:r>
+            <a:r>
+              <a:rPr lang="en-US" dirty="0">
+                <a:solidFill>
+                  <a:srgbClr val="7030A0"/>
+                </a:solidFill>
+                <a:latin typeface="Courier New" panose="02070309020205020404" pitchFamily="49" charset="0"/>
+                <a:cs typeface="Courier New" panose="02070309020205020404" pitchFamily="49" charset="0"/>
+              </a:rPr>
+              <a:t>r</a:t>
+            </a:r>
+            <a:r>
+              <a:rPr lang="en-US" dirty="0">
+                <a:latin typeface="Courier New" panose="02070309020205020404" pitchFamily="49" charset="0"/>
+                <a:cs typeface="Courier New" panose="02070309020205020404" pitchFamily="49" charset="0"/>
+              </a:rPr>
+              <a:t>][</a:t>
+            </a:r>
+            <a:r>
+              <a:rPr lang="en-US" dirty="0">
+                <a:solidFill>
+                  <a:srgbClr val="7030A0"/>
+                </a:solidFill>
+                <a:latin typeface="Courier New" panose="02070309020205020404" pitchFamily="49" charset="0"/>
+                <a:cs typeface="Courier New" panose="02070309020205020404" pitchFamily="49" charset="0"/>
+              </a:rPr>
+              <a:t>c</a:t>
+            </a:r>
+            <a:r>
+              <a:rPr lang="en-US" dirty="0">
+                <a:latin typeface="Courier New" panose="02070309020205020404" pitchFamily="49" charset="0"/>
+                <a:cs typeface="Courier New" panose="02070309020205020404" pitchFamily="49" charset="0"/>
+              </a:rPr>
+              <a:t>][</a:t>
+            </a:r>
+            <a:r>
+              <a:rPr lang="en-US" dirty="0">
+                <a:solidFill>
+                  <a:srgbClr val="7030A0"/>
+                </a:solidFill>
+                <a:latin typeface="Courier New" panose="02070309020205020404" pitchFamily="49" charset="0"/>
+                <a:cs typeface="Courier New" panose="02070309020205020404" pitchFamily="49" charset="0"/>
+              </a:rPr>
+              <a:t>d</a:t>
+            </a:r>
+            <a:r>
+              <a:rPr lang="en-US" dirty="0">
+                <a:latin typeface="Courier New" panose="02070309020205020404" pitchFamily="49" charset="0"/>
+                <a:cs typeface="Courier New" panose="02070309020205020404" pitchFamily="49" charset="0"/>
+              </a:rPr>
+              <a:t>] = p[0][</a:t>
+            </a:r>
+            <a:r>
+              <a:rPr lang="en-US" dirty="0">
+                <a:solidFill>
+                  <a:srgbClr val="7030A0"/>
+                </a:solidFill>
+                <a:latin typeface="Courier New" panose="02070309020205020404" pitchFamily="49" charset="0"/>
+                <a:cs typeface="Courier New" panose="02070309020205020404" pitchFamily="49" charset="0"/>
+              </a:rPr>
+              <a:t>r</a:t>
+            </a:r>
+            <a:r>
+              <a:rPr lang="en-US" dirty="0">
+                <a:latin typeface="Courier New" panose="02070309020205020404" pitchFamily="49" charset="0"/>
+                <a:cs typeface="Courier New" panose="02070309020205020404" pitchFamily="49" charset="0"/>
+              </a:rPr>
+              <a:t>][</a:t>
+            </a:r>
+            <a:r>
+              <a:rPr lang="en-US" dirty="0">
+                <a:solidFill>
+                  <a:srgbClr val="7030A0"/>
+                </a:solidFill>
+                <a:latin typeface="Courier New" panose="02070309020205020404" pitchFamily="49" charset="0"/>
+                <a:cs typeface="Courier New" panose="02070309020205020404" pitchFamily="49" charset="0"/>
+              </a:rPr>
+              <a:t>c</a:t>
+            </a:r>
+            <a:r>
+              <a:rPr lang="en-US" dirty="0">
+                <a:latin typeface="Courier New" panose="02070309020205020404" pitchFamily="49" charset="0"/>
+                <a:cs typeface="Courier New" panose="02070309020205020404" pitchFamily="49" charset="0"/>
+              </a:rPr>
+              <a:t>][</a:t>
+            </a:r>
+            <a:r>
+              <a:rPr lang="en-US" dirty="0">
+                <a:solidFill>
+                  <a:srgbClr val="7030A0"/>
+                </a:solidFill>
+                <a:latin typeface="Courier New" panose="02070309020205020404" pitchFamily="49" charset="0"/>
+                <a:cs typeface="Courier New" panose="02070309020205020404" pitchFamily="49" charset="0"/>
+              </a:rPr>
+              <a:t>d</a:t>
+            </a:r>
+            <a:r>
+              <a:rPr lang="en-US" dirty="0">
+                <a:latin typeface="Courier New" panose="02070309020205020404" pitchFamily="49" charset="0"/>
+                <a:cs typeface="Courier New" panose="02070309020205020404" pitchFamily="49" charset="0"/>
+              </a:rPr>
+              <a:t>] + 0.8*</a:t>
+            </a:r>
+            <a:r>
+              <a:rPr lang="en-US" dirty="0">
+                <a:solidFill>
+                  <a:srgbClr val="7030A0"/>
+                </a:solidFill>
+                <a:latin typeface="Courier New" panose="02070309020205020404" pitchFamily="49" charset="0"/>
+                <a:cs typeface="Courier New" panose="02070309020205020404" pitchFamily="49" charset="0"/>
+              </a:rPr>
+              <a:t>ss</a:t>
+            </a:r>
+          </a:p>
+          <a:p>
+            <a:pPr>
+              <a:spcBef>
+                <a:spcPts val="0"/>
+              </a:spcBef>
+            </a:pPr>
+            <a:r>
+              <a:rPr lang="en-US" dirty="0">
+                <a:latin typeface="Courier New" panose="02070309020205020404" pitchFamily="49" charset="0"/>
+                <a:cs typeface="Courier New" panose="02070309020205020404" pitchFamily="49" charset="0"/>
+              </a:rPr>
+              <a:t>        </a:t>
+            </a:r>
+            <a:r>
+              <a:rPr lang="en-US" dirty="0">
+                <a:solidFill>
+                  <a:srgbClr val="7030A0"/>
+                </a:solidFill>
+                <a:latin typeface="Courier New" panose="02070309020205020404" pitchFamily="49" charset="0"/>
+                <a:cs typeface="Courier New" panose="02070309020205020404" pitchFamily="49" charset="0"/>
+              </a:rPr>
+              <a:t>wrk2</a:t>
+            </a:r>
+            <a:r>
+              <a:rPr lang="en-US" dirty="0">
+                <a:latin typeface="Courier New" panose="02070309020205020404" pitchFamily="49" charset="0"/>
+                <a:cs typeface="Courier New" panose="02070309020205020404" pitchFamily="49" charset="0"/>
+              </a:rPr>
+              <a:t>.</a:t>
+            </a:r>
+            <a:r>
+              <a:rPr lang="en-US" dirty="0">
+                <a:solidFill>
+                  <a:srgbClr val="6F924B"/>
+                </a:solidFill>
+                <a:latin typeface="Courier New" panose="02070309020205020404" pitchFamily="49" charset="0"/>
+                <a:cs typeface="Courier New" panose="02070309020205020404" pitchFamily="49" charset="0"/>
+              </a:rPr>
+              <a:t>copy_to</a:t>
+            </a:r>
+            <a:r>
+              <a:rPr lang="en-US" dirty="0">
+                <a:latin typeface="Courier New" panose="02070309020205020404" pitchFamily="49" charset="0"/>
+                <a:cs typeface="Courier New" panose="02070309020205020404" pitchFamily="49" charset="0"/>
+              </a:rPr>
+              <a:t>(</a:t>
+            </a:r>
+            <a:r>
+              <a:rPr lang="en-US" dirty="0">
+                <a:solidFill>
+                  <a:srgbClr val="7030A0"/>
+                </a:solidFill>
+                <a:latin typeface="Courier New" panose="02070309020205020404" pitchFamily="49" charset="0"/>
+                <a:cs typeface="Courier New" panose="02070309020205020404" pitchFamily="49" charset="0"/>
+              </a:rPr>
+              <a:t>p</a:t>
+            </a:r>
+            <a:r>
+              <a:rPr lang="en-US" dirty="0">
+                <a:latin typeface="Courier New" panose="02070309020205020404" pitchFamily="49" charset="0"/>
+                <a:cs typeface="Courier New" panose="02070309020205020404" pitchFamily="49" charset="0"/>
+              </a:rPr>
+              <a:t>) // copy content of p to </a:t>
+            </a:r>
+            <a:r>
+              <a:rPr lang="en-US" dirty="0">
+                <a:solidFill>
+                  <a:schemeClr val="tx1"/>
+                </a:solidFill>
+                <a:latin typeface="Courier New" panose="02070309020205020404" pitchFamily="49" charset="0"/>
+                <a:cs typeface="Courier New" panose="02070309020205020404" pitchFamily="49" charset="0"/>
+              </a:rPr>
+              <a:t>wrk2</a:t>
+            </a:r>
+          </a:p>
+          <a:p>
+            <a:pPr>
+              <a:spcBef>
+                <a:spcPts val="0"/>
+              </a:spcBef>
+            </a:pPr>
+            <a:endParaRPr lang="en-US" dirty="0">
+              <a:latin typeface="Courier New" panose="02070309020205020404" pitchFamily="49" charset="0"/>
+              <a:cs typeface="Courier New" panose="02070309020205020404" pitchFamily="49" charset="0"/>
+            </a:endParaRPr>
+          </a:p>
+          <a:p>
+            <a:pPr>
+              <a:spcBef>
+                <a:spcPts val="0"/>
+              </a:spcBef>
+            </a:pPr>
+            <a:r>
+              <a:rPr lang="en-US" dirty="0">
+                <a:latin typeface="Courier New" panose="02070309020205020404" pitchFamily="49" charset="0"/>
+                <a:cs typeface="Courier New" panose="02070309020205020404" pitchFamily="49" charset="0"/>
+              </a:rPr>
+              <a:t>    </a:t>
+            </a:r>
+            <a:r>
+              <a:rPr lang="en-US" dirty="0">
+                <a:solidFill>
+                  <a:srgbClr val="6F924B"/>
+                </a:solidFill>
+                <a:latin typeface="Courier New" panose="02070309020205020404" pitchFamily="49" charset="0"/>
+                <a:cs typeface="Courier New" panose="02070309020205020404" pitchFamily="49" charset="0"/>
+              </a:rPr>
+              <a:t>print</a:t>
+            </a:r>
+            <a:r>
+              <a:rPr lang="en-US" dirty="0">
+                <a:latin typeface="Courier New" panose="02070309020205020404" pitchFamily="49" charset="0"/>
+                <a:cs typeface="Courier New" panose="02070309020205020404" pitchFamily="49" charset="0"/>
+              </a:rPr>
+              <a:t>( </a:t>
+            </a:r>
+            <a:r>
+              <a:rPr lang="en-US" dirty="0" err="1">
+                <a:solidFill>
+                  <a:srgbClr val="7030A0"/>
+                </a:solidFill>
+                <a:latin typeface="Courier New" panose="02070309020205020404" pitchFamily="49" charset="0"/>
+                <a:cs typeface="Courier New" panose="02070309020205020404" pitchFamily="49" charset="0"/>
+              </a:rPr>
+              <a:t>gosa</a:t>
+            </a:r>
+            <a:r>
+              <a:rPr lang="en-US" dirty="0">
+                <a:latin typeface="Courier New" panose="02070309020205020404" pitchFamily="49" charset="0"/>
+                <a:cs typeface="Courier New" panose="02070309020205020404" pitchFamily="49" charset="0"/>
+              </a:rPr>
+              <a:t> ) // print result (with a precision of 6)</a:t>
+            </a:r>
+          </a:p>
+          <a:p>
+            <a:pPr>
+              <a:spcBef>
+                <a:spcPts val="0"/>
+              </a:spcBef>
+            </a:pPr>
+            <a:r>
+              <a:rPr lang="en-US" b="1" dirty="0">
+                <a:latin typeface="Courier New" panose="02070309020205020404" pitchFamily="49" charset="0"/>
+                <a:cs typeface="Courier New" panose="02070309020205020404" pitchFamily="49" charset="0"/>
+              </a:rPr>
+              <a:t>end</a:t>
+            </a:r>
+          </a:p>
+        </p:txBody>
+      </p:sp>
+    </p:spTree>
+    <p:extLst>
+      <p:ext uri="{BB962C8B-B14F-4D97-AF65-F5344CB8AC3E}">
+        <p14:creationId xmlns:p14="http://schemas.microsoft.com/office/powerpoint/2010/main" val="2956690037"/>
+      </p:ext>
+    </p:extLst>
+  </p:cSld>
+  <p:clrMapOvr>
+    <a:masterClrMapping/>
+  </p:clrMapOvr>
+  <p:timing>
+    <p:tnLst>
+      <p:par>
+        <p:cTn id="1" dur="indefinite" restart="never" nodeType="tmRoot">
+          <p:childTnLst>
+            <p:seq concurrent="1" nextAc="seek">
+              <p:cTn id="2" dur="indefinite" nodeType="mainSeq">
+                <p:childTnLst>
+                  <p:par>
+                    <p:cTn id="3" fill="hold">
+                      <p:stCondLst>
+                        <p:cond delay="indefinite"/>
+                      </p:stCondLst>
+                      <p:childTnLst>
+                        <p:par>
+                          <p:cTn id="4" fill="hold">
+                            <p:stCondLst>
+                              <p:cond delay="0"/>
+                            </p:stCondLst>
+                            <p:childTnLst>
+                              <p:par>
+                                <p:cTn id="5" presetID="1" presetClass="entr" presetSubtype="0" fill="hold" nodeType="clickEffect">
+                                  <p:stCondLst>
+                                    <p:cond delay="0"/>
+                                  </p:stCondLst>
+                                  <p:childTnLst>
+                                    <p:set>
+                                      <p:cBhvr>
+                                        <p:cTn id="6" dur="1" fill="hold">
+                                          <p:stCondLst>
+                                            <p:cond delay="0"/>
+                                          </p:stCondLst>
+                                        </p:cTn>
+                                        <p:tgtEl>
+                                          <p:spTgt spid="4">
+                                            <p:txEl>
+                                              <p:pRg st="0" end="0"/>
+                                            </p:txEl>
+                                          </p:spTgt>
+                                        </p:tgtEl>
+                                        <p:attrNameLst>
+                                          <p:attrName>style.visibility</p:attrName>
+                                        </p:attrNameLst>
+                                      </p:cBhvr>
+                                      <p:to>
+                                        <p:strVal val="visible"/>
+                                      </p:to>
+                                    </p:set>
+                                  </p:childTnLst>
+                                </p:cTn>
+                              </p:par>
+                              <p:par>
+                                <p:cTn id="7" presetID="1" presetClass="entr" presetSubtype="0" fill="hold" nodeType="withEffect">
+                                  <p:stCondLst>
+                                    <p:cond delay="0"/>
+                                  </p:stCondLst>
+                                  <p:childTnLst>
+                                    <p:set>
+                                      <p:cBhvr>
+                                        <p:cTn id="8" dur="1" fill="hold">
+                                          <p:stCondLst>
+                                            <p:cond delay="0"/>
+                                          </p:stCondLst>
+                                        </p:cTn>
+                                        <p:tgtEl>
+                                          <p:spTgt spid="4">
+                                            <p:txEl>
+                                              <p:pRg st="1" end="1"/>
+                                            </p:txEl>
+                                          </p:spTgt>
+                                        </p:tgtEl>
+                                        <p:attrNameLst>
+                                          <p:attrName>style.visibility</p:attrName>
+                                        </p:attrNameLst>
+                                      </p:cBhvr>
+                                      <p:to>
+                                        <p:strVal val="visible"/>
+                                      </p:to>
+                                    </p:set>
+                                  </p:childTnLst>
+                                </p:cTn>
+                              </p:par>
+                              <p:par>
+                                <p:cTn id="9" presetID="1" presetClass="entr" presetSubtype="0" fill="hold" nodeType="withEffect">
+                                  <p:stCondLst>
+                                    <p:cond delay="0"/>
+                                  </p:stCondLst>
+                                  <p:childTnLst>
+                                    <p:set>
+                                      <p:cBhvr>
+                                        <p:cTn id="10" dur="1" fill="hold">
+                                          <p:stCondLst>
+                                            <p:cond delay="0"/>
+                                          </p:stCondLst>
+                                        </p:cTn>
+                                        <p:tgtEl>
+                                          <p:spTgt spid="4">
+                                            <p:txEl>
+                                              <p:pRg st="2" end="2"/>
+                                            </p:txEl>
+                                          </p:spTgt>
+                                        </p:tgtEl>
+                                        <p:attrNameLst>
+                                          <p:attrName>style.visibility</p:attrName>
+                                        </p:attrNameLst>
+                                      </p:cBhvr>
+                                      <p:to>
+                                        <p:strVal val="visible"/>
+                                      </p:to>
+                                    </p:set>
+                                  </p:childTnLst>
+                                </p:cTn>
+                              </p:par>
+                              <p:par>
+                                <p:cTn id="11" presetID="1" presetClass="entr" presetSubtype="0" fill="hold" nodeType="withEffect">
+                                  <p:stCondLst>
+                                    <p:cond delay="0"/>
+                                  </p:stCondLst>
+                                  <p:childTnLst>
+                                    <p:set>
+                                      <p:cBhvr>
+                                        <p:cTn id="12" dur="1" fill="hold">
+                                          <p:stCondLst>
+                                            <p:cond delay="0"/>
+                                          </p:stCondLst>
+                                        </p:cTn>
+                                        <p:tgtEl>
+                                          <p:spTgt spid="4">
+                                            <p:txEl>
+                                              <p:pRg st="3" end="3"/>
+                                            </p:txEl>
+                                          </p:spTgt>
+                                        </p:tgtEl>
+                                        <p:attrNameLst>
+                                          <p:attrName>style.visibility</p:attrName>
+                                        </p:attrNameLst>
+                                      </p:cBhvr>
+                                      <p:to>
+                                        <p:strVal val="visible"/>
+                                      </p:to>
+                                    </p:set>
+                                  </p:childTnLst>
+                                </p:cTn>
+                              </p:par>
+                            </p:childTnLst>
+                          </p:cTn>
+                        </p:par>
+                      </p:childTnLst>
+                    </p:cTn>
+                  </p:par>
+                  <p:par>
+                    <p:cTn id="13" fill="hold">
+                      <p:stCondLst>
+                        <p:cond delay="indefinite"/>
+                      </p:stCondLst>
+                      <p:childTnLst>
+                        <p:par>
+                          <p:cTn id="14" fill="hold">
+                            <p:stCondLst>
+                              <p:cond delay="0"/>
+                            </p:stCondLst>
+                            <p:childTnLst>
+                              <p:par>
+                                <p:cTn id="15" presetID="1" presetClass="entr" presetSubtype="0" fill="hold" nodeType="clickEffect">
+                                  <p:stCondLst>
+                                    <p:cond delay="0"/>
+                                  </p:stCondLst>
+                                  <p:childTnLst>
+                                    <p:set>
+                                      <p:cBhvr>
+                                        <p:cTn id="16" dur="1" fill="hold">
+                                          <p:stCondLst>
+                                            <p:cond delay="0"/>
+                                          </p:stCondLst>
+                                        </p:cTn>
+                                        <p:tgtEl>
+                                          <p:spTgt spid="4">
+                                            <p:txEl>
+                                              <p:pRg st="4" end="4"/>
+                                            </p:txEl>
+                                          </p:spTgt>
+                                        </p:tgtEl>
+                                        <p:attrNameLst>
+                                          <p:attrName>style.visibility</p:attrName>
+                                        </p:attrNameLst>
+                                      </p:cBhvr>
+                                      <p:to>
+                                        <p:strVal val="visible"/>
+                                      </p:to>
+                                    </p:set>
+                                  </p:childTnLst>
+                                </p:cTn>
+                              </p:par>
+                            </p:childTnLst>
+                          </p:cTn>
+                        </p:par>
+                      </p:childTnLst>
+                    </p:cTn>
+                  </p:par>
+                  <p:par>
+                    <p:cTn id="17" fill="hold">
+                      <p:stCondLst>
+                        <p:cond delay="indefinite"/>
+                      </p:stCondLst>
+                      <p:childTnLst>
+                        <p:par>
+                          <p:cTn id="18" fill="hold">
+                            <p:stCondLst>
+                              <p:cond delay="0"/>
+                            </p:stCondLst>
+                            <p:childTnLst>
+                              <p:par>
+                                <p:cTn id="19" presetID="1" presetClass="entr" presetSubtype="0" fill="hold" nodeType="clickEffect">
+                                  <p:stCondLst>
+                                    <p:cond delay="0"/>
+                                  </p:stCondLst>
+                                  <p:childTnLst>
+                                    <p:set>
+                                      <p:cBhvr>
+                                        <p:cTn id="20" dur="1" fill="hold">
+                                          <p:stCondLst>
+                                            <p:cond delay="0"/>
+                                          </p:stCondLst>
+                                        </p:cTn>
+                                        <p:tgtEl>
+                                          <p:spTgt spid="4">
+                                            <p:txEl>
+                                              <p:pRg st="6" end="6"/>
+                                            </p:txEl>
+                                          </p:spTgt>
+                                        </p:tgtEl>
+                                        <p:attrNameLst>
+                                          <p:attrName>style.visibility</p:attrName>
+                                        </p:attrNameLst>
+                                      </p:cBhvr>
+                                      <p:to>
+                                        <p:strVal val="visible"/>
+                                      </p:to>
+                                    </p:set>
+                                  </p:childTnLst>
+                                </p:cTn>
+                              </p:par>
+                            </p:childTnLst>
+                          </p:cTn>
+                        </p:par>
+                      </p:childTnLst>
+                    </p:cTn>
+                  </p:par>
+                  <p:par>
+                    <p:cTn id="21" fill="hold">
+                      <p:stCondLst>
+                        <p:cond delay="indefinite"/>
+                      </p:stCondLst>
+                      <p:childTnLst>
+                        <p:par>
+                          <p:cTn id="22" fill="hold">
+                            <p:stCondLst>
+                              <p:cond delay="0"/>
+                            </p:stCondLst>
+                            <p:childTnLst>
+                              <p:par>
+                                <p:cTn id="23" presetID="1" presetClass="entr" presetSubtype="0" fill="hold" nodeType="clickEffect">
+                                  <p:stCondLst>
+                                    <p:cond delay="0"/>
+                                  </p:stCondLst>
+                                  <p:childTnLst>
+                                    <p:set>
+                                      <p:cBhvr>
+                                        <p:cTn id="24" dur="1" fill="hold">
+                                          <p:stCondLst>
+                                            <p:cond delay="0"/>
+                                          </p:stCondLst>
+                                        </p:cTn>
+                                        <p:tgtEl>
+                                          <p:spTgt spid="4">
+                                            <p:txEl>
+                                              <p:pRg st="8" end="8"/>
+                                            </p:txEl>
+                                          </p:spTgt>
+                                        </p:tgtEl>
+                                        <p:attrNameLst>
+                                          <p:attrName>style.visibility</p:attrName>
+                                        </p:attrNameLst>
+                                      </p:cBhvr>
+                                      <p:to>
+                                        <p:strVal val="visible"/>
+                                      </p:to>
+                                    </p:set>
+                                  </p:childTnLst>
+                                </p:cTn>
+                              </p:par>
+                            </p:childTnLst>
+                          </p:cTn>
+                        </p:par>
+                      </p:childTnLst>
+                    </p:cTn>
+                  </p:par>
+                  <p:par>
+                    <p:cTn id="25" fill="hold">
+                      <p:stCondLst>
+                        <p:cond delay="indefinite"/>
+                      </p:stCondLst>
+                      <p:childTnLst>
+                        <p:par>
+                          <p:cTn id="26" fill="hold">
+                            <p:stCondLst>
+                              <p:cond delay="0"/>
+                            </p:stCondLst>
+                            <p:childTnLst>
+                              <p:par>
+                                <p:cTn id="27" presetID="1" presetClass="entr" presetSubtype="0" fill="hold" nodeType="clickEffect">
+                                  <p:stCondLst>
+                                    <p:cond delay="0"/>
+                                  </p:stCondLst>
+                                  <p:childTnLst>
+                                    <p:set>
+                                      <p:cBhvr>
+                                        <p:cTn id="28" dur="1" fill="hold">
+                                          <p:stCondLst>
+                                            <p:cond delay="0"/>
+                                          </p:stCondLst>
+                                        </p:cTn>
+                                        <p:tgtEl>
+                                          <p:spTgt spid="4">
+                                            <p:txEl>
+                                              <p:pRg st="9" end="9"/>
+                                            </p:txEl>
+                                          </p:spTgt>
+                                        </p:tgtEl>
+                                        <p:attrNameLst>
+                                          <p:attrName>style.visibility</p:attrName>
+                                        </p:attrNameLst>
+                                      </p:cBhvr>
+                                      <p:to>
+                                        <p:strVal val="visible"/>
+                                      </p:to>
+                                    </p:set>
+                                  </p:childTnLst>
+                                </p:cTn>
+                              </p:par>
+                            </p:childTnLst>
+                          </p:cTn>
+                        </p:par>
+                      </p:childTnLst>
+                    </p:cTn>
+                  </p:par>
+                  <p:par>
+                    <p:cTn id="29" fill="hold">
+                      <p:stCondLst>
+                        <p:cond delay="indefinite"/>
+                      </p:stCondLst>
+                      <p:childTnLst>
+                        <p:par>
+                          <p:cTn id="30" fill="hold">
+                            <p:stCondLst>
+                              <p:cond delay="0"/>
+                            </p:stCondLst>
+                            <p:childTnLst>
+                              <p:par>
+                                <p:cTn id="31" presetID="1" presetClass="entr" presetSubtype="0" fill="hold" nodeType="clickEffect">
+                                  <p:stCondLst>
+                                    <p:cond delay="0"/>
+                                  </p:stCondLst>
+                                  <p:childTnLst>
+                                    <p:set>
+                                      <p:cBhvr>
+                                        <p:cTn id="32" dur="1" fill="hold">
+                                          <p:stCondLst>
+                                            <p:cond delay="0"/>
+                                          </p:stCondLst>
+                                        </p:cTn>
+                                        <p:tgtEl>
+                                          <p:spTgt spid="4">
+                                            <p:txEl>
+                                              <p:pRg st="10" end="10"/>
+                                            </p:txEl>
+                                          </p:spTgt>
+                                        </p:tgtEl>
+                                        <p:attrNameLst>
+                                          <p:attrName>style.visibility</p:attrName>
+                                        </p:attrNameLst>
+                                      </p:cBhvr>
+                                      <p:to>
+                                        <p:strVal val="visible"/>
+                                      </p:to>
+                                    </p:set>
+                                  </p:childTnLst>
+                                </p:cTn>
+                              </p:par>
+                            </p:childTnLst>
+                          </p:cTn>
+                        </p:par>
+                      </p:childTnLst>
+                    </p:cTn>
+                  </p:par>
+                  <p:par>
+                    <p:cTn id="33" fill="hold">
+                      <p:stCondLst>
+                        <p:cond delay="indefinite"/>
+                      </p:stCondLst>
+                      <p:childTnLst>
+                        <p:par>
+                          <p:cTn id="34" fill="hold">
+                            <p:stCondLst>
+                              <p:cond delay="0"/>
+                            </p:stCondLst>
+                            <p:childTnLst>
+                              <p:par>
+                                <p:cTn id="35" presetID="1" presetClass="entr" presetSubtype="0" fill="hold" nodeType="clickEffect">
+                                  <p:stCondLst>
+                                    <p:cond delay="0"/>
+                                  </p:stCondLst>
+                                  <p:childTnLst>
+                                    <p:set>
+                                      <p:cBhvr>
+                                        <p:cTn id="36" dur="1" fill="hold">
+                                          <p:stCondLst>
+                                            <p:cond delay="0"/>
+                                          </p:stCondLst>
+                                        </p:cTn>
+                                        <p:tgtEl>
+                                          <p:spTgt spid="4">
+                                            <p:txEl>
+                                              <p:pRg st="11" end="11"/>
+                                            </p:txEl>
+                                          </p:spTgt>
+                                        </p:tgtEl>
+                                        <p:attrNameLst>
+                                          <p:attrName>style.visibility</p:attrName>
+                                        </p:attrNameLst>
+                                      </p:cBhvr>
+                                      <p:to>
+                                        <p:strVal val="visible"/>
+                                      </p:to>
+                                    </p:set>
+                                  </p:childTnLst>
+                                </p:cTn>
+                              </p:par>
+                            </p:childTnLst>
+                          </p:cTn>
+                        </p:par>
+                      </p:childTnLst>
+                    </p:cTn>
+                  </p:par>
+                  <p:par>
+                    <p:cTn id="37" fill="hold">
+                      <p:stCondLst>
+                        <p:cond delay="indefinite"/>
+                      </p:stCondLst>
+                      <p:childTnLst>
+                        <p:par>
+                          <p:cTn id="38" fill="hold">
+                            <p:stCondLst>
+                              <p:cond delay="0"/>
+                            </p:stCondLst>
+                            <p:childTnLst>
+                              <p:par>
+                                <p:cTn id="39" presetID="1" presetClass="entr" presetSubtype="0" fill="hold" nodeType="clickEffect">
+                                  <p:stCondLst>
+                                    <p:cond delay="0"/>
+                                  </p:stCondLst>
+                                  <p:childTnLst>
+                                    <p:set>
+                                      <p:cBhvr>
+                                        <p:cTn id="40" dur="1" fill="hold">
+                                          <p:stCondLst>
+                                            <p:cond delay="0"/>
+                                          </p:stCondLst>
+                                        </p:cTn>
+                                        <p:tgtEl>
+                                          <p:spTgt spid="4">
+                                            <p:txEl>
+                                              <p:pRg st="12" end="12"/>
+                                            </p:txEl>
+                                          </p:spTgt>
+                                        </p:tgtEl>
+                                        <p:attrNameLst>
+                                          <p:attrName>style.visibility</p:attrName>
+                                        </p:attrNameLst>
+                                      </p:cBhvr>
+                                      <p:to>
+                                        <p:strVal val="visible"/>
+                                      </p:to>
+                                    </p:set>
+                                  </p:childTnLst>
+                                </p:cTn>
+                              </p:par>
+                            </p:childTnLst>
+                          </p:cTn>
+                        </p:par>
+                      </p:childTnLst>
+                    </p:cTn>
+                  </p:par>
+                  <p:par>
+                    <p:cTn id="41" fill="hold">
+                      <p:stCondLst>
+                        <p:cond delay="indefinite"/>
+                      </p:stCondLst>
+                      <p:childTnLst>
+                        <p:par>
+                          <p:cTn id="42" fill="hold">
+                            <p:stCondLst>
+                              <p:cond delay="0"/>
+                            </p:stCondLst>
+                            <p:childTnLst>
+                              <p:par>
+                                <p:cTn id="43" presetID="1" presetClass="entr" presetSubtype="0" fill="hold" nodeType="clickEffect">
+                                  <p:stCondLst>
+                                    <p:cond delay="0"/>
+                                  </p:stCondLst>
+                                  <p:childTnLst>
+                                    <p:set>
+                                      <p:cBhvr>
+                                        <p:cTn id="44" dur="1" fill="hold">
+                                          <p:stCondLst>
+                                            <p:cond delay="0"/>
+                                          </p:stCondLst>
+                                        </p:cTn>
+                                        <p:tgtEl>
+                                          <p:spTgt spid="4">
+                                            <p:txEl>
+                                              <p:pRg st="13" end="13"/>
+                                            </p:txEl>
+                                          </p:spTgt>
+                                        </p:tgtEl>
+                                        <p:attrNameLst>
+                                          <p:attrName>style.visibility</p:attrName>
+                                        </p:attrNameLst>
+                                      </p:cBhvr>
+                                      <p:to>
+                                        <p:strVal val="visible"/>
+                                      </p:to>
+                                    </p:set>
+                                  </p:childTnLst>
+                                </p:cTn>
+                              </p:par>
+                            </p:childTnLst>
+                          </p:cTn>
+                        </p:par>
+                      </p:childTnLst>
+                    </p:cTn>
+                  </p:par>
+                  <p:par>
+                    <p:cTn id="45" fill="hold">
+                      <p:stCondLst>
+                        <p:cond delay="indefinite"/>
+                      </p:stCondLst>
+                      <p:childTnLst>
+                        <p:par>
+                          <p:cTn id="46" fill="hold">
+                            <p:stCondLst>
+                              <p:cond delay="0"/>
+                            </p:stCondLst>
+                            <p:childTnLst>
+                              <p:par>
+                                <p:cTn id="47" presetID="1" presetClass="entr" presetSubtype="0" fill="hold" nodeType="clickEffect">
+                                  <p:stCondLst>
+                                    <p:cond delay="0"/>
+                                  </p:stCondLst>
+                                  <p:childTnLst>
+                                    <p:set>
+                                      <p:cBhvr>
+                                        <p:cTn id="48" dur="1" fill="hold">
+                                          <p:stCondLst>
+                                            <p:cond delay="0"/>
+                                          </p:stCondLst>
+                                        </p:cTn>
+                                        <p:tgtEl>
+                                          <p:spTgt spid="4">
+                                            <p:txEl>
+                                              <p:pRg st="14" end="14"/>
+                                            </p:txEl>
+                                          </p:spTgt>
+                                        </p:tgtEl>
+                                        <p:attrNameLst>
+                                          <p:attrName>style.visibility</p:attrName>
+                                        </p:attrNameLst>
+                                      </p:cBhvr>
+                                      <p:to>
+                                        <p:strVal val="visible"/>
+                                      </p:to>
+                                    </p:set>
+                                  </p:childTnLst>
+                                </p:cTn>
+                              </p:par>
+                            </p:childTnLst>
+                          </p:cTn>
+                        </p:par>
+                      </p:childTnLst>
+                    </p:cTn>
+                  </p:par>
+                  <p:par>
+                    <p:cTn id="49" fill="hold">
+                      <p:stCondLst>
+                        <p:cond delay="indefinite"/>
+                      </p:stCondLst>
+                      <p:childTnLst>
+                        <p:par>
+                          <p:cTn id="50" fill="hold">
+                            <p:stCondLst>
+                              <p:cond delay="0"/>
+                            </p:stCondLst>
+                            <p:childTnLst>
+                              <p:par>
+                                <p:cTn id="51" presetID="1" presetClass="entr" presetSubtype="0" fill="hold" nodeType="clickEffect">
+                                  <p:stCondLst>
+                                    <p:cond delay="0"/>
+                                  </p:stCondLst>
+                                  <p:childTnLst>
+                                    <p:set>
+                                      <p:cBhvr>
+                                        <p:cTn id="52" dur="1" fill="hold">
+                                          <p:stCondLst>
+                                            <p:cond delay="0"/>
+                                          </p:stCondLst>
+                                        </p:cTn>
+                                        <p:tgtEl>
+                                          <p:spTgt spid="4">
+                                            <p:txEl>
+                                              <p:pRg st="16" end="16"/>
+                                            </p:txEl>
+                                          </p:spTgt>
+                                        </p:tgtEl>
+                                        <p:attrNameLst>
+                                          <p:attrName>style.visibility</p:attrName>
+                                        </p:attrNameLst>
+                                      </p:cBhvr>
+                                      <p:to>
+                                        <p:strVal val="visible"/>
+                                      </p:to>
+                                    </p:set>
+                                  </p:childTnLst>
+                                </p:cTn>
+                              </p:par>
+                            </p:childTnLst>
+                          </p:cTn>
+                        </p:par>
+                      </p:childTnLst>
+                    </p:cTn>
+                  </p:par>
+                  <p:par>
+                    <p:cTn id="53" fill="hold">
+                      <p:stCondLst>
+                        <p:cond delay="indefinite"/>
+                      </p:stCondLst>
+                      <p:childTnLst>
+                        <p:par>
+                          <p:cTn id="54" fill="hold">
+                            <p:stCondLst>
+                              <p:cond delay="0"/>
+                            </p:stCondLst>
+                            <p:childTnLst>
+                              <p:par>
+                                <p:cTn id="55" presetID="1" presetClass="entr" presetSubtype="0" fill="hold" nodeType="clickEffect">
+                                  <p:stCondLst>
+                                    <p:cond delay="0"/>
+                                  </p:stCondLst>
+                                  <p:childTnLst>
+                                    <p:set>
+                                      <p:cBhvr>
+                                        <p:cTn id="56" dur="1" fill="hold">
+                                          <p:stCondLst>
+                                            <p:cond delay="0"/>
+                                          </p:stCondLst>
+                                        </p:cTn>
+                                        <p:tgtEl>
+                                          <p:spTgt spid="4">
+                                            <p:txEl>
+                                              <p:pRg st="17" end="17"/>
+                                            </p:txEl>
+                                          </p:spTgt>
+                                        </p:tgtEl>
+                                        <p:attrNameLst>
+                                          <p:attrName>style.visibility</p:attrName>
+                                        </p:attrNameLst>
+                                      </p:cBhvr>
+                                      <p:to>
+                                        <p:strVal val="visible"/>
+                                      </p:to>
+                                    </p:set>
+                                  </p:childTnLst>
+                                </p:cTn>
+                              </p:par>
+                            </p:childTnLst>
+                          </p:cTn>
+                        </p:par>
+                      </p:childTnLst>
+                    </p:cTn>
+                  </p:par>
+                </p:childTnLst>
+              </p:cTn>
+              <p:prevCondLst>
+                <p:cond evt="onPrev" delay="0">
+                  <p:tgtEl>
+                    <p:sldTgt/>
+                  </p:tgtEl>
+                </p:cond>
+              </p:prevCondLst>
+              <p:nextCondLst>
+                <p:cond evt="onNext" delay="0">
+                  <p:tgtEl>
+                    <p:sldTgt/>
+                  </p:tgtEl>
+                </p:cond>
+              </p:nextCondLst>
+            </p:seq>
+          </p:childTnLst>
+        </p:cTn>
+      </p:par>
+    </p:tnLst>
+  </p:timing>
+</p:sld>
+</file>
+
 <file path=ppt/slides/slide2.xml><?xml version="1.0" encoding="utf-8"?>
 <p:sld xmlns:a="http://schemas.openxmlformats.org/drawingml/2006/main" xmlns:r="http://schemas.openxmlformats.org/officeDocument/2006/relationships" xmlns:p="http://schemas.openxmlformats.org/presentationml/2006/main">
   <p:cSld>
@@ -4033,17 +6085,17 @@
           <a:lstStyle/>
           <a:p>
             <a:r>
-              <a:rPr lang="en-US"/>
+              <a:rPr lang="en-US" dirty="0"/>
               <a:t>Problem</a:t>
             </a:r>
             <a:br>
-              <a:rPr lang="en-US"/>
+              <a:rPr lang="en-US" dirty="0"/>
             </a:br>
             <a:r>
-              <a:rPr lang="en-US" b="0"/>
+              <a:rPr lang="en-US" b="0" dirty="0"/>
               <a:t>The Mandelbrot Set</a:t>
             </a:r>
-            <a:endParaRPr lang="en-US"/>
+            <a:endParaRPr lang="en-US" dirty="0"/>
           </a:p>
         </p:txBody>
       </p:sp>
@@ -4987,7 +7039,7 @@
             <a:r>
               <a:rPr lang="de-DE" dirty="0" err="1">
                 <a:solidFill>
-                  <a:schemeClr val="accent3"/>
+                  <a:srgbClr val="6F924B"/>
                 </a:solidFill>
                 <a:latin typeface="Courier New" panose="02070309020205020404" pitchFamily="49" charset="0"/>
                 <a:cs typeface="Courier New" panose="02070309020205020404" pitchFamily="49" charset="0"/>
@@ -5210,7 +7262,7 @@
             <a:r>
               <a:rPr lang="de-DE" dirty="0" err="1">
                 <a:solidFill>
-                  <a:schemeClr val="accent3"/>
+                  <a:srgbClr val="6F924B"/>
                 </a:solidFill>
                 <a:latin typeface="Courier New" panose="02070309020205020404" pitchFamily="49" charset="0"/>
                 <a:cs typeface="Courier New" panose="02070309020205020404" pitchFamily="49" charset="0"/>
@@ -5634,7 +7686,7 @@
             <a:r>
               <a:rPr lang="de-DE" dirty="0" err="1">
                 <a:solidFill>
-                  <a:schemeClr val="accent3"/>
+                  <a:srgbClr val="6F924B"/>
                 </a:solidFill>
                 <a:latin typeface="Courier New" panose="02070309020205020404" pitchFamily="49" charset="0"/>
                 <a:cs typeface="Courier New" panose="02070309020205020404" pitchFamily="49" charset="0"/>
@@ -5716,7 +7768,7 @@
             <a:r>
               <a:rPr lang="de-DE" dirty="0" err="1">
                 <a:solidFill>
-                  <a:schemeClr val="accent3"/>
+                  <a:srgbClr val="6F924B"/>
                 </a:solidFill>
                 <a:latin typeface="Courier New" panose="02070309020205020404" pitchFamily="49" charset="0"/>
                 <a:cs typeface="Courier New" panose="02070309020205020404" pitchFamily="49" charset="0"/>
@@ -6649,6 +8701,385 @@
   <p:clrMapOvr>
     <a:masterClrMapping/>
   </p:clrMapOvr>
+  <p:timing>
+    <p:tnLst>
+      <p:par>
+        <p:cTn id="1" dur="indefinite" restart="never" nodeType="tmRoot">
+          <p:childTnLst>
+            <p:seq concurrent="1" nextAc="seek">
+              <p:cTn id="2" dur="indefinite" nodeType="mainSeq">
+                <p:childTnLst>
+                  <p:par>
+                    <p:cTn id="3" fill="hold">
+                      <p:stCondLst>
+                        <p:cond delay="indefinite"/>
+                        <p:cond evt="onBegin" delay="0">
+                          <p:tn val="2"/>
+                        </p:cond>
+                      </p:stCondLst>
+                      <p:childTnLst>
+                        <p:par>
+                          <p:cTn id="4" fill="hold">
+                            <p:stCondLst>
+                              <p:cond delay="0"/>
+                            </p:stCondLst>
+                            <p:childTnLst>
+                              <p:par>
+                                <p:cTn id="5" presetID="1" presetClass="entr" presetSubtype="0" fill="hold" nodeType="withEffect">
+                                  <p:stCondLst>
+                                    <p:cond delay="0"/>
+                                  </p:stCondLst>
+                                  <p:childTnLst>
+                                    <p:set>
+                                      <p:cBhvr>
+                                        <p:cTn id="6" dur="1" fill="hold">
+                                          <p:stCondLst>
+                                            <p:cond delay="0"/>
+                                          </p:stCondLst>
+                                        </p:cTn>
+                                        <p:tgtEl>
+                                          <p:spTgt spid="3">
+                                            <p:txEl>
+                                              <p:pRg st="0" end="0"/>
+                                            </p:txEl>
+                                          </p:spTgt>
+                                        </p:tgtEl>
+                                        <p:attrNameLst>
+                                          <p:attrName>style.visibility</p:attrName>
+                                        </p:attrNameLst>
+                                      </p:cBhvr>
+                                      <p:to>
+                                        <p:strVal val="visible"/>
+                                      </p:to>
+                                    </p:set>
+                                  </p:childTnLst>
+                                </p:cTn>
+                              </p:par>
+                              <p:par>
+                                <p:cTn id="7" presetID="1" presetClass="entr" presetSubtype="0" fill="hold" nodeType="withEffect">
+                                  <p:stCondLst>
+                                    <p:cond delay="0"/>
+                                  </p:stCondLst>
+                                  <p:childTnLst>
+                                    <p:set>
+                                      <p:cBhvr>
+                                        <p:cTn id="8" dur="1" fill="hold">
+                                          <p:stCondLst>
+                                            <p:cond delay="0"/>
+                                          </p:stCondLst>
+                                        </p:cTn>
+                                        <p:tgtEl>
+                                          <p:spTgt spid="3">
+                                            <p:txEl>
+                                              <p:pRg st="1" end="1"/>
+                                            </p:txEl>
+                                          </p:spTgt>
+                                        </p:tgtEl>
+                                        <p:attrNameLst>
+                                          <p:attrName>style.visibility</p:attrName>
+                                        </p:attrNameLst>
+                                      </p:cBhvr>
+                                      <p:to>
+                                        <p:strVal val="visible"/>
+                                      </p:to>
+                                    </p:set>
+                                  </p:childTnLst>
+                                </p:cTn>
+                              </p:par>
+                              <p:par>
+                                <p:cTn id="9" presetID="1" presetClass="entr" presetSubtype="0" fill="hold" nodeType="withEffect">
+                                  <p:stCondLst>
+                                    <p:cond delay="0"/>
+                                  </p:stCondLst>
+                                  <p:childTnLst>
+                                    <p:set>
+                                      <p:cBhvr>
+                                        <p:cTn id="10" dur="1" fill="hold">
+                                          <p:stCondLst>
+                                            <p:cond delay="0"/>
+                                          </p:stCondLst>
+                                        </p:cTn>
+                                        <p:tgtEl>
+                                          <p:spTgt spid="3">
+                                            <p:txEl>
+                                              <p:pRg st="2" end="2"/>
+                                            </p:txEl>
+                                          </p:spTgt>
+                                        </p:tgtEl>
+                                        <p:attrNameLst>
+                                          <p:attrName>style.visibility</p:attrName>
+                                        </p:attrNameLst>
+                                      </p:cBhvr>
+                                      <p:to>
+                                        <p:strVal val="visible"/>
+                                      </p:to>
+                                    </p:set>
+                                  </p:childTnLst>
+                                </p:cTn>
+                              </p:par>
+                              <p:par>
+                                <p:cTn id="11" presetID="1" presetClass="entr" presetSubtype="0" fill="hold" nodeType="withEffect">
+                                  <p:stCondLst>
+                                    <p:cond delay="0"/>
+                                  </p:stCondLst>
+                                  <p:childTnLst>
+                                    <p:set>
+                                      <p:cBhvr>
+                                        <p:cTn id="12" dur="1" fill="hold">
+                                          <p:stCondLst>
+                                            <p:cond delay="0"/>
+                                          </p:stCondLst>
+                                        </p:cTn>
+                                        <p:tgtEl>
+                                          <p:spTgt spid="3">
+                                            <p:txEl>
+                                              <p:pRg st="3" end="3"/>
+                                            </p:txEl>
+                                          </p:spTgt>
+                                        </p:tgtEl>
+                                        <p:attrNameLst>
+                                          <p:attrName>style.visibility</p:attrName>
+                                        </p:attrNameLst>
+                                      </p:cBhvr>
+                                      <p:to>
+                                        <p:strVal val="visible"/>
+                                      </p:to>
+                                    </p:set>
+                                  </p:childTnLst>
+                                </p:cTn>
+                              </p:par>
+                              <p:par>
+                                <p:cTn id="13" presetID="1" presetClass="entr" presetSubtype="0" fill="hold" nodeType="withEffect">
+                                  <p:stCondLst>
+                                    <p:cond delay="0"/>
+                                  </p:stCondLst>
+                                  <p:childTnLst>
+                                    <p:set>
+                                      <p:cBhvr>
+                                        <p:cTn id="14" dur="1" fill="hold">
+                                          <p:stCondLst>
+                                            <p:cond delay="0"/>
+                                          </p:stCondLst>
+                                        </p:cTn>
+                                        <p:tgtEl>
+                                          <p:spTgt spid="3">
+                                            <p:txEl>
+                                              <p:pRg st="4" end="4"/>
+                                            </p:txEl>
+                                          </p:spTgt>
+                                        </p:tgtEl>
+                                        <p:attrNameLst>
+                                          <p:attrName>style.visibility</p:attrName>
+                                        </p:attrNameLst>
+                                      </p:cBhvr>
+                                      <p:to>
+                                        <p:strVal val="visible"/>
+                                      </p:to>
+                                    </p:set>
+                                  </p:childTnLst>
+                                </p:cTn>
+                              </p:par>
+                              <p:par>
+                                <p:cTn id="15" presetID="1" presetClass="entr" presetSubtype="0" fill="hold" nodeType="withEffect">
+                                  <p:stCondLst>
+                                    <p:cond delay="0"/>
+                                  </p:stCondLst>
+                                  <p:childTnLst>
+                                    <p:set>
+                                      <p:cBhvr>
+                                        <p:cTn id="16" dur="1" fill="hold">
+                                          <p:stCondLst>
+                                            <p:cond delay="0"/>
+                                          </p:stCondLst>
+                                        </p:cTn>
+                                        <p:tgtEl>
+                                          <p:spTgt spid="3">
+                                            <p:txEl>
+                                              <p:pRg st="5" end="5"/>
+                                            </p:txEl>
+                                          </p:spTgt>
+                                        </p:tgtEl>
+                                        <p:attrNameLst>
+                                          <p:attrName>style.visibility</p:attrName>
+                                        </p:attrNameLst>
+                                      </p:cBhvr>
+                                      <p:to>
+                                        <p:strVal val="visible"/>
+                                      </p:to>
+                                    </p:set>
+                                  </p:childTnLst>
+                                </p:cTn>
+                              </p:par>
+                            </p:childTnLst>
+                          </p:cTn>
+                        </p:par>
+                      </p:childTnLst>
+                    </p:cTn>
+                  </p:par>
+                  <p:par>
+                    <p:cTn id="17" fill="hold">
+                      <p:stCondLst>
+                        <p:cond delay="indefinite"/>
+                      </p:stCondLst>
+                      <p:childTnLst>
+                        <p:par>
+                          <p:cTn id="18" fill="hold">
+                            <p:stCondLst>
+                              <p:cond delay="0"/>
+                            </p:stCondLst>
+                            <p:childTnLst>
+                              <p:par>
+                                <p:cTn id="19" presetID="1" presetClass="entr" presetSubtype="0" fill="hold" nodeType="clickEffect">
+                                  <p:stCondLst>
+                                    <p:cond delay="0"/>
+                                  </p:stCondLst>
+                                  <p:childTnLst>
+                                    <p:set>
+                                      <p:cBhvr>
+                                        <p:cTn id="20" dur="1" fill="hold">
+                                          <p:stCondLst>
+                                            <p:cond delay="0"/>
+                                          </p:stCondLst>
+                                        </p:cTn>
+                                        <p:tgtEl>
+                                          <p:spTgt spid="3">
+                                            <p:txEl>
+                                              <p:pRg st="7" end="7"/>
+                                            </p:txEl>
+                                          </p:spTgt>
+                                        </p:tgtEl>
+                                        <p:attrNameLst>
+                                          <p:attrName>style.visibility</p:attrName>
+                                        </p:attrNameLst>
+                                      </p:cBhvr>
+                                      <p:to>
+                                        <p:strVal val="visible"/>
+                                      </p:to>
+                                    </p:set>
+                                  </p:childTnLst>
+                                </p:cTn>
+                              </p:par>
+                              <p:par>
+                                <p:cTn id="21" presetID="1" presetClass="entr" presetSubtype="0" fill="hold" nodeType="withEffect">
+                                  <p:stCondLst>
+                                    <p:cond delay="0"/>
+                                  </p:stCondLst>
+                                  <p:childTnLst>
+                                    <p:set>
+                                      <p:cBhvr>
+                                        <p:cTn id="22" dur="1" fill="hold">
+                                          <p:stCondLst>
+                                            <p:cond delay="0"/>
+                                          </p:stCondLst>
+                                        </p:cTn>
+                                        <p:tgtEl>
+                                          <p:spTgt spid="3">
+                                            <p:txEl>
+                                              <p:pRg st="8" end="8"/>
+                                            </p:txEl>
+                                          </p:spTgt>
+                                        </p:tgtEl>
+                                        <p:attrNameLst>
+                                          <p:attrName>style.visibility</p:attrName>
+                                        </p:attrNameLst>
+                                      </p:cBhvr>
+                                      <p:to>
+                                        <p:strVal val="visible"/>
+                                      </p:to>
+                                    </p:set>
+                                  </p:childTnLst>
+                                </p:cTn>
+                              </p:par>
+                              <p:par>
+                                <p:cTn id="23" presetID="1" presetClass="entr" presetSubtype="0" fill="hold" nodeType="withEffect">
+                                  <p:stCondLst>
+                                    <p:cond delay="0"/>
+                                  </p:stCondLst>
+                                  <p:childTnLst>
+                                    <p:set>
+                                      <p:cBhvr>
+                                        <p:cTn id="24" dur="1" fill="hold">
+                                          <p:stCondLst>
+                                            <p:cond delay="0"/>
+                                          </p:stCondLst>
+                                        </p:cTn>
+                                        <p:tgtEl>
+                                          <p:spTgt spid="3">
+                                            <p:txEl>
+                                              <p:pRg st="9" end="9"/>
+                                            </p:txEl>
+                                          </p:spTgt>
+                                        </p:tgtEl>
+                                        <p:attrNameLst>
+                                          <p:attrName>style.visibility</p:attrName>
+                                        </p:attrNameLst>
+                                      </p:cBhvr>
+                                      <p:to>
+                                        <p:strVal val="visible"/>
+                                      </p:to>
+                                    </p:set>
+                                  </p:childTnLst>
+                                </p:cTn>
+                              </p:par>
+                              <p:par>
+                                <p:cTn id="25" presetID="1" presetClass="entr" presetSubtype="0" fill="hold" nodeType="withEffect">
+                                  <p:stCondLst>
+                                    <p:cond delay="0"/>
+                                  </p:stCondLst>
+                                  <p:childTnLst>
+                                    <p:set>
+                                      <p:cBhvr>
+                                        <p:cTn id="26" dur="1" fill="hold">
+                                          <p:stCondLst>
+                                            <p:cond delay="0"/>
+                                          </p:stCondLst>
+                                        </p:cTn>
+                                        <p:tgtEl>
+                                          <p:spTgt spid="3">
+                                            <p:txEl>
+                                              <p:pRg st="10" end="10"/>
+                                            </p:txEl>
+                                          </p:spTgt>
+                                        </p:tgtEl>
+                                        <p:attrNameLst>
+                                          <p:attrName>style.visibility</p:attrName>
+                                        </p:attrNameLst>
+                                      </p:cBhvr>
+                                      <p:to>
+                                        <p:strVal val="visible"/>
+                                      </p:to>
+                                    </p:set>
+                                  </p:childTnLst>
+                                </p:cTn>
+                              </p:par>
+                            </p:childTnLst>
+                          </p:cTn>
+                        </p:par>
+                      </p:childTnLst>
+                    </p:cTn>
+                  </p:par>
+                </p:childTnLst>
+              </p:cTn>
+              <p:prevCondLst>
+                <p:cond evt="onPrev" delay="0">
+                  <p:tgtEl>
+                    <p:sldTgt/>
+                  </p:tgtEl>
+                </p:cond>
+              </p:prevCondLst>
+              <p:nextCondLst>
+                <p:cond evt="onNext" delay="0">
+                  <p:tgtEl>
+                    <p:sldTgt/>
+                  </p:tgtEl>
+                </p:cond>
+              </p:nextCondLst>
+            </p:seq>
+          </p:childTnLst>
+        </p:cTn>
+      </p:par>
+    </p:tnLst>
+  </p:timing>
 </p:sld>
 </file>
 
@@ -8257,6 +10688,550 @@
   <p:clrMapOvr>
     <a:masterClrMapping/>
   </p:clrMapOvr>
+  <p:timing>
+    <p:tnLst>
+      <p:par>
+        <p:cTn id="1" dur="indefinite" restart="never" nodeType="tmRoot">
+          <p:childTnLst>
+            <p:seq concurrent="1" nextAc="seek">
+              <p:cTn id="2" dur="indefinite" nodeType="mainSeq">
+                <p:childTnLst>
+                  <p:par>
+                    <p:cTn id="3" fill="hold">
+                      <p:stCondLst>
+                        <p:cond delay="indefinite"/>
+                        <p:cond evt="onBegin" delay="0">
+                          <p:tn val="2"/>
+                        </p:cond>
+                      </p:stCondLst>
+                      <p:childTnLst>
+                        <p:par>
+                          <p:cTn id="4" fill="hold">
+                            <p:stCondLst>
+                              <p:cond delay="0"/>
+                            </p:stCondLst>
+                            <p:childTnLst>
+                              <p:par>
+                                <p:cTn id="5" presetID="1" presetClass="entr" presetSubtype="0" fill="hold" grpId="0" nodeType="withEffect">
+                                  <p:stCondLst>
+                                    <p:cond delay="0"/>
+                                  </p:stCondLst>
+                                  <p:childTnLst>
+                                    <p:set>
+                                      <p:cBhvr>
+                                        <p:cTn id="6" dur="1" fill="hold">
+                                          <p:stCondLst>
+                                            <p:cond delay="0"/>
+                                          </p:stCondLst>
+                                        </p:cTn>
+                                        <p:tgtEl>
+                                          <p:spTgt spid="27"/>
+                                        </p:tgtEl>
+                                        <p:attrNameLst>
+                                          <p:attrName>style.visibility</p:attrName>
+                                        </p:attrNameLst>
+                                      </p:cBhvr>
+                                      <p:to>
+                                        <p:strVal val="visible"/>
+                                      </p:to>
+                                    </p:set>
+                                  </p:childTnLst>
+                                </p:cTn>
+                              </p:par>
+                              <p:par>
+                                <p:cTn id="7" presetID="1" presetClass="entr" presetSubtype="0" fill="hold" grpId="0" nodeType="withEffect">
+                                  <p:stCondLst>
+                                    <p:cond delay="0"/>
+                                  </p:stCondLst>
+                                  <p:childTnLst>
+                                    <p:set>
+                                      <p:cBhvr>
+                                        <p:cTn id="8" dur="1" fill="hold">
+                                          <p:stCondLst>
+                                            <p:cond delay="0"/>
+                                          </p:stCondLst>
+                                        </p:cTn>
+                                        <p:tgtEl>
+                                          <p:spTgt spid="80"/>
+                                        </p:tgtEl>
+                                        <p:attrNameLst>
+                                          <p:attrName>style.visibility</p:attrName>
+                                        </p:attrNameLst>
+                                      </p:cBhvr>
+                                      <p:to>
+                                        <p:strVal val="visible"/>
+                                      </p:to>
+                                    </p:set>
+                                  </p:childTnLst>
+                                </p:cTn>
+                              </p:par>
+                              <p:par>
+                                <p:cTn id="9" presetID="1" presetClass="entr" presetSubtype="0" fill="hold" nodeType="withEffect">
+                                  <p:stCondLst>
+                                    <p:cond delay="0"/>
+                                  </p:stCondLst>
+                                  <p:childTnLst>
+                                    <p:set>
+                                      <p:cBhvr>
+                                        <p:cTn id="10" dur="1" fill="hold">
+                                          <p:stCondLst>
+                                            <p:cond delay="0"/>
+                                          </p:stCondLst>
+                                        </p:cTn>
+                                        <p:tgtEl>
+                                          <p:spTgt spid="86"/>
+                                        </p:tgtEl>
+                                        <p:attrNameLst>
+                                          <p:attrName>style.visibility</p:attrName>
+                                        </p:attrNameLst>
+                                      </p:cBhvr>
+                                      <p:to>
+                                        <p:strVal val="visible"/>
+                                      </p:to>
+                                    </p:set>
+                                  </p:childTnLst>
+                                </p:cTn>
+                              </p:par>
+                              <p:par>
+                                <p:cTn id="11" presetID="1" presetClass="entr" presetSubtype="0" fill="hold" grpId="0" nodeType="withEffect">
+                                  <p:stCondLst>
+                                    <p:cond delay="0"/>
+                                  </p:stCondLst>
+                                  <p:childTnLst>
+                                    <p:set>
+                                      <p:cBhvr>
+                                        <p:cTn id="12" dur="1" fill="hold">
+                                          <p:stCondLst>
+                                            <p:cond delay="0"/>
+                                          </p:stCondLst>
+                                        </p:cTn>
+                                        <p:tgtEl>
+                                          <p:spTgt spid="28"/>
+                                        </p:tgtEl>
+                                        <p:attrNameLst>
+                                          <p:attrName>style.visibility</p:attrName>
+                                        </p:attrNameLst>
+                                      </p:cBhvr>
+                                      <p:to>
+                                        <p:strVal val="visible"/>
+                                      </p:to>
+                                    </p:set>
+                                  </p:childTnLst>
+                                </p:cTn>
+                              </p:par>
+                              <p:par>
+                                <p:cTn id="13" presetID="1" presetClass="entr" presetSubtype="0" fill="hold" grpId="0" nodeType="withEffect">
+                                  <p:stCondLst>
+                                    <p:cond delay="0"/>
+                                  </p:stCondLst>
+                                  <p:childTnLst>
+                                    <p:set>
+                                      <p:cBhvr>
+                                        <p:cTn id="14" dur="1" fill="hold">
+                                          <p:stCondLst>
+                                            <p:cond delay="0"/>
+                                          </p:stCondLst>
+                                        </p:cTn>
+                                        <p:tgtEl>
+                                          <p:spTgt spid="81"/>
+                                        </p:tgtEl>
+                                        <p:attrNameLst>
+                                          <p:attrName>style.visibility</p:attrName>
+                                        </p:attrNameLst>
+                                      </p:cBhvr>
+                                      <p:to>
+                                        <p:strVal val="visible"/>
+                                      </p:to>
+                                    </p:set>
+                                  </p:childTnLst>
+                                </p:cTn>
+                              </p:par>
+                              <p:par>
+                                <p:cTn id="15" presetID="1" presetClass="entr" presetSubtype="0" fill="hold" nodeType="withEffect">
+                                  <p:stCondLst>
+                                    <p:cond delay="0"/>
+                                  </p:stCondLst>
+                                  <p:childTnLst>
+                                    <p:set>
+                                      <p:cBhvr>
+                                        <p:cTn id="16" dur="1" fill="hold">
+                                          <p:stCondLst>
+                                            <p:cond delay="0"/>
+                                          </p:stCondLst>
+                                        </p:cTn>
+                                        <p:tgtEl>
+                                          <p:spTgt spid="87"/>
+                                        </p:tgtEl>
+                                        <p:attrNameLst>
+                                          <p:attrName>style.visibility</p:attrName>
+                                        </p:attrNameLst>
+                                      </p:cBhvr>
+                                      <p:to>
+                                        <p:strVal val="visible"/>
+                                      </p:to>
+                                    </p:set>
+                                  </p:childTnLst>
+                                </p:cTn>
+                              </p:par>
+                            </p:childTnLst>
+                          </p:cTn>
+                        </p:par>
+                      </p:childTnLst>
+                    </p:cTn>
+                  </p:par>
+                  <p:par>
+                    <p:cTn id="17" fill="hold">
+                      <p:stCondLst>
+                        <p:cond delay="indefinite"/>
+                      </p:stCondLst>
+                      <p:childTnLst>
+                        <p:par>
+                          <p:cTn id="18" fill="hold">
+                            <p:stCondLst>
+                              <p:cond delay="0"/>
+                            </p:stCondLst>
+                            <p:childTnLst>
+                              <p:par>
+                                <p:cTn id="19" presetID="1" presetClass="entr" presetSubtype="0" fill="hold" nodeType="clickEffect">
+                                  <p:stCondLst>
+                                    <p:cond delay="0"/>
+                                  </p:stCondLst>
+                                  <p:childTnLst>
+                                    <p:set>
+                                      <p:cBhvr>
+                                        <p:cTn id="20" dur="1" fill="hold">
+                                          <p:stCondLst>
+                                            <p:cond delay="0"/>
+                                          </p:stCondLst>
+                                        </p:cTn>
+                                        <p:tgtEl>
+                                          <p:spTgt spid="52"/>
+                                        </p:tgtEl>
+                                        <p:attrNameLst>
+                                          <p:attrName>style.visibility</p:attrName>
+                                        </p:attrNameLst>
+                                      </p:cBhvr>
+                                      <p:to>
+                                        <p:strVal val="visible"/>
+                                      </p:to>
+                                    </p:set>
+                                  </p:childTnLst>
+                                </p:cTn>
+                              </p:par>
+                              <p:par>
+                                <p:cTn id="21" presetID="1" presetClass="entr" presetSubtype="0" fill="hold" grpId="0" nodeType="withEffect">
+                                  <p:stCondLst>
+                                    <p:cond delay="0"/>
+                                  </p:stCondLst>
+                                  <p:childTnLst>
+                                    <p:set>
+                                      <p:cBhvr>
+                                        <p:cTn id="22" dur="1" fill="hold">
+                                          <p:stCondLst>
+                                            <p:cond delay="0"/>
+                                          </p:stCondLst>
+                                        </p:cTn>
+                                        <p:tgtEl>
+                                          <p:spTgt spid="88"/>
+                                        </p:tgtEl>
+                                        <p:attrNameLst>
+                                          <p:attrName>style.visibility</p:attrName>
+                                        </p:attrNameLst>
+                                      </p:cBhvr>
+                                      <p:to>
+                                        <p:strVal val="visible"/>
+                                      </p:to>
+                                    </p:set>
+                                  </p:childTnLst>
+                                </p:cTn>
+                              </p:par>
+                              <p:par>
+                                <p:cTn id="23" presetID="1" presetClass="entr" presetSubtype="0" fill="hold" nodeType="withEffect">
+                                  <p:stCondLst>
+                                    <p:cond delay="0"/>
+                                  </p:stCondLst>
+                                  <p:childTnLst>
+                                    <p:set>
+                                      <p:cBhvr>
+                                        <p:cTn id="24" dur="1" fill="hold">
+                                          <p:stCondLst>
+                                            <p:cond delay="0"/>
+                                          </p:stCondLst>
+                                        </p:cTn>
+                                        <p:tgtEl>
+                                          <p:spTgt spid="75"/>
+                                        </p:tgtEl>
+                                        <p:attrNameLst>
+                                          <p:attrName>style.visibility</p:attrName>
+                                        </p:attrNameLst>
+                                      </p:cBhvr>
+                                      <p:to>
+                                        <p:strVal val="visible"/>
+                                      </p:to>
+                                    </p:set>
+                                  </p:childTnLst>
+                                </p:cTn>
+                              </p:par>
+                              <p:par>
+                                <p:cTn id="25" presetID="1" presetClass="entr" presetSubtype="0" fill="hold" nodeType="withEffect">
+                                  <p:stCondLst>
+                                    <p:cond delay="0"/>
+                                  </p:stCondLst>
+                                  <p:childTnLst>
+                                    <p:set>
+                                      <p:cBhvr>
+                                        <p:cTn id="26" dur="1" fill="hold">
+                                          <p:stCondLst>
+                                            <p:cond delay="0"/>
+                                          </p:stCondLst>
+                                        </p:cTn>
+                                        <p:tgtEl>
+                                          <p:spTgt spid="66"/>
+                                        </p:tgtEl>
+                                        <p:attrNameLst>
+                                          <p:attrName>style.visibility</p:attrName>
+                                        </p:attrNameLst>
+                                      </p:cBhvr>
+                                      <p:to>
+                                        <p:strVal val="visible"/>
+                                      </p:to>
+                                    </p:set>
+                                  </p:childTnLst>
+                                </p:cTn>
+                              </p:par>
+                            </p:childTnLst>
+                          </p:cTn>
+                        </p:par>
+                      </p:childTnLst>
+                    </p:cTn>
+                  </p:par>
+                  <p:par>
+                    <p:cTn id="27" fill="hold">
+                      <p:stCondLst>
+                        <p:cond delay="indefinite"/>
+                      </p:stCondLst>
+                      <p:childTnLst>
+                        <p:par>
+                          <p:cTn id="28" fill="hold">
+                            <p:stCondLst>
+                              <p:cond delay="0"/>
+                            </p:stCondLst>
+                            <p:childTnLst>
+                              <p:par>
+                                <p:cTn id="29" presetID="1" presetClass="entr" presetSubtype="0" fill="hold" nodeType="clickEffect">
+                                  <p:stCondLst>
+                                    <p:cond delay="0"/>
+                                  </p:stCondLst>
+                                  <p:childTnLst>
+                                    <p:set>
+                                      <p:cBhvr>
+                                        <p:cTn id="30" dur="1" fill="hold">
+                                          <p:stCondLst>
+                                            <p:cond delay="0"/>
+                                          </p:stCondLst>
+                                        </p:cTn>
+                                        <p:tgtEl>
+                                          <p:spTgt spid="51"/>
+                                        </p:tgtEl>
+                                        <p:attrNameLst>
+                                          <p:attrName>style.visibility</p:attrName>
+                                        </p:attrNameLst>
+                                      </p:cBhvr>
+                                      <p:to>
+                                        <p:strVal val="visible"/>
+                                      </p:to>
+                                    </p:set>
+                                  </p:childTnLst>
+                                </p:cTn>
+                              </p:par>
+                              <p:par>
+                                <p:cTn id="31" presetID="1" presetClass="entr" presetSubtype="0" fill="hold" nodeType="withEffect">
+                                  <p:stCondLst>
+                                    <p:cond delay="0"/>
+                                  </p:stCondLst>
+                                  <p:childTnLst>
+                                    <p:set>
+                                      <p:cBhvr>
+                                        <p:cTn id="32" dur="1" fill="hold">
+                                          <p:stCondLst>
+                                            <p:cond delay="0"/>
+                                          </p:stCondLst>
+                                        </p:cTn>
+                                        <p:tgtEl>
+                                          <p:spTgt spid="49"/>
+                                        </p:tgtEl>
+                                        <p:attrNameLst>
+                                          <p:attrName>style.visibility</p:attrName>
+                                        </p:attrNameLst>
+                                      </p:cBhvr>
+                                      <p:to>
+                                        <p:strVal val="visible"/>
+                                      </p:to>
+                                    </p:set>
+                                  </p:childTnLst>
+                                </p:cTn>
+                              </p:par>
+                              <p:par>
+                                <p:cTn id="33" presetID="1" presetClass="entr" presetSubtype="0" fill="hold" nodeType="withEffect">
+                                  <p:stCondLst>
+                                    <p:cond delay="0"/>
+                                  </p:stCondLst>
+                                  <p:childTnLst>
+                                    <p:set>
+                                      <p:cBhvr>
+                                        <p:cTn id="34" dur="1" fill="hold">
+                                          <p:stCondLst>
+                                            <p:cond delay="0"/>
+                                          </p:stCondLst>
+                                        </p:cTn>
+                                        <p:tgtEl>
+                                          <p:spTgt spid="34"/>
+                                        </p:tgtEl>
+                                        <p:attrNameLst>
+                                          <p:attrName>style.visibility</p:attrName>
+                                        </p:attrNameLst>
+                                      </p:cBhvr>
+                                      <p:to>
+                                        <p:strVal val="visible"/>
+                                      </p:to>
+                                    </p:set>
+                                  </p:childTnLst>
+                                </p:cTn>
+                              </p:par>
+                            </p:childTnLst>
+                          </p:cTn>
+                        </p:par>
+                      </p:childTnLst>
+                    </p:cTn>
+                  </p:par>
+                  <p:par>
+                    <p:cTn id="35" fill="hold">
+                      <p:stCondLst>
+                        <p:cond delay="indefinite"/>
+                      </p:stCondLst>
+                      <p:childTnLst>
+                        <p:par>
+                          <p:cTn id="36" fill="hold">
+                            <p:stCondLst>
+                              <p:cond delay="0"/>
+                            </p:stCondLst>
+                            <p:childTnLst>
+                              <p:par>
+                                <p:cTn id="37" presetID="1" presetClass="entr" presetSubtype="0" fill="hold" nodeType="clickEffect">
+                                  <p:stCondLst>
+                                    <p:cond delay="0"/>
+                                  </p:stCondLst>
+                                  <p:childTnLst>
+                                    <p:set>
+                                      <p:cBhvr>
+                                        <p:cTn id="38" dur="1" fill="hold">
+                                          <p:stCondLst>
+                                            <p:cond delay="0"/>
+                                          </p:stCondLst>
+                                        </p:cTn>
+                                        <p:tgtEl>
+                                          <p:spTgt spid="59"/>
+                                        </p:tgtEl>
+                                        <p:attrNameLst>
+                                          <p:attrName>style.visibility</p:attrName>
+                                        </p:attrNameLst>
+                                      </p:cBhvr>
+                                      <p:to>
+                                        <p:strVal val="visible"/>
+                                      </p:to>
+                                    </p:set>
+                                  </p:childTnLst>
+                                </p:cTn>
+                              </p:par>
+                              <p:par>
+                                <p:cTn id="39" presetID="1" presetClass="entr" presetSubtype="0" fill="hold" nodeType="withEffect">
+                                  <p:stCondLst>
+                                    <p:cond delay="0"/>
+                                  </p:stCondLst>
+                                  <p:childTnLst>
+                                    <p:set>
+                                      <p:cBhvr>
+                                        <p:cTn id="40" dur="1" fill="hold">
+                                          <p:stCondLst>
+                                            <p:cond delay="0"/>
+                                          </p:stCondLst>
+                                        </p:cTn>
+                                        <p:tgtEl>
+                                          <p:spTgt spid="69"/>
+                                        </p:tgtEl>
+                                        <p:attrNameLst>
+                                          <p:attrName>style.visibility</p:attrName>
+                                        </p:attrNameLst>
+                                      </p:cBhvr>
+                                      <p:to>
+                                        <p:strVal val="visible"/>
+                                      </p:to>
+                                    </p:set>
+                                  </p:childTnLst>
+                                </p:cTn>
+                              </p:par>
+                              <p:par>
+                                <p:cTn id="41" presetID="1" presetClass="entr" presetSubtype="0" fill="hold" nodeType="withEffect">
+                                  <p:stCondLst>
+                                    <p:cond delay="0"/>
+                                  </p:stCondLst>
+                                  <p:childTnLst>
+                                    <p:set>
+                                      <p:cBhvr>
+                                        <p:cTn id="42" dur="1" fill="hold">
+                                          <p:stCondLst>
+                                            <p:cond delay="0"/>
+                                          </p:stCondLst>
+                                        </p:cTn>
+                                        <p:tgtEl>
+                                          <p:spTgt spid="72"/>
+                                        </p:tgtEl>
+                                        <p:attrNameLst>
+                                          <p:attrName>style.visibility</p:attrName>
+                                        </p:attrNameLst>
+                                      </p:cBhvr>
+                                      <p:to>
+                                        <p:strVal val="visible"/>
+                                      </p:to>
+                                    </p:set>
+                                  </p:childTnLst>
+                                </p:cTn>
+                              </p:par>
+                            </p:childTnLst>
+                          </p:cTn>
+                        </p:par>
+                      </p:childTnLst>
+                    </p:cTn>
+                  </p:par>
+                </p:childTnLst>
+              </p:cTn>
+              <p:prevCondLst>
+                <p:cond evt="onPrev" delay="0">
+                  <p:tgtEl>
+                    <p:sldTgt/>
+                  </p:tgtEl>
+                </p:cond>
+              </p:prevCondLst>
+              <p:nextCondLst>
+                <p:cond evt="onNext" delay="0">
+                  <p:tgtEl>
+                    <p:sldTgt/>
+                  </p:tgtEl>
+                </p:cond>
+              </p:nextCondLst>
+            </p:seq>
+          </p:childTnLst>
+        </p:cTn>
+      </p:par>
+    </p:tnLst>
+    <p:bldLst>
+      <p:bldP spid="27" grpId="0" animBg="1"/>
+      <p:bldP spid="28" grpId="0" animBg="1"/>
+      <p:bldP spid="80" grpId="0"/>
+      <p:bldP spid="81" grpId="0"/>
+      <p:bldP spid="88" grpId="0"/>
+    </p:bldLst>
+  </p:timing>
 </p:sld>
 </file>
 
@@ -8277,12 +11252,783 @@
           <a:chExt cx="0" cy="0"/>
         </a:xfrm>
       </p:grpSpPr>
+      <p:pic>
+        <p:nvPicPr>
+          <p:cNvPr id="7" name="Grafik 6">
+            <a:extLst>
+              <a:ext uri="{FF2B5EF4-FFF2-40B4-BE49-F238E27FC236}">
+                <a16:creationId xmlns:a16="http://schemas.microsoft.com/office/drawing/2014/main" id="{E11D7328-93B7-4521-9DBC-C9F6C3CDCB35}"/>
+              </a:ext>
+            </a:extLst>
+          </p:cNvPr>
+          <p:cNvPicPr>
+            <a:picLocks noChangeAspect="1"/>
+          </p:cNvPicPr>
+          <p:nvPr/>
+        </p:nvPicPr>
+        <p:blipFill>
+          <a:blip r:embed="rId2">
+            <a:extLst>
+              <a:ext uri="{28A0092B-C50C-407E-A947-70E740481C1C}">
+                <a14:useLocalDpi xmlns:a14="http://schemas.microsoft.com/office/drawing/2010/main" val="0"/>
+              </a:ext>
+              <a:ext uri="{96DAC541-7B7A-43D3-8B79-37D633B846F1}">
+                <asvg:svgBlip xmlns:asvg="http://schemas.microsoft.com/office/drawing/2016/SVG/main" r:embed="rId3"/>
+              </a:ext>
+            </a:extLst>
+          </a:blip>
+          <a:stretch>
+            <a:fillRect/>
+          </a:stretch>
+        </p:blipFill>
+        <p:spPr>
+          <a:xfrm>
+            <a:off x="6435724" y="809624"/>
+            <a:ext cx="5019675" cy="5019675"/>
+          </a:xfrm>
+          <a:prstGeom prst="rect">
+            <a:avLst/>
+          </a:prstGeom>
+        </p:spPr>
+      </p:pic>
       <p:sp>
         <p:nvSpPr>
-          <p:cNvPr id="2" name="Titel 1">
+          <p:cNvPr id="9" name="Textplatzhalter 8">
             <a:extLst>
               <a:ext uri="{FF2B5EF4-FFF2-40B4-BE49-F238E27FC236}">
-                <a16:creationId xmlns:a16="http://schemas.microsoft.com/office/drawing/2014/main" id="{8EB503D6-29A6-44F9-85AE-CF615B069F5B}"/>
+                <a16:creationId xmlns:a16="http://schemas.microsoft.com/office/drawing/2014/main" id="{A63AA061-C258-4447-8FF9-F16C2469ADA4}"/>
+              </a:ext>
+            </a:extLst>
+          </p:cNvPr>
+          <p:cNvSpPr>
+            <a:spLocks noGrp="1"/>
+          </p:cNvSpPr>
+          <p:nvPr>
+            <p:ph type="body" sz="quarter" idx="14"/>
+          </p:nvPr>
+        </p:nvSpPr>
+        <p:spPr>
+          <a:xfrm>
+            <a:off x="874713" y="1484314"/>
+            <a:ext cx="5195887" cy="1576937"/>
+          </a:xfrm>
+        </p:spPr>
+        <p:txBody>
+          <a:bodyPr/>
+          <a:lstStyle/>
+          <a:p>
+            <a:pPr marL="285750" indent="-285750">
+              <a:buFont typeface="Arial" panose="020B0604020202020204" pitchFamily="34" charset="0"/>
+              <a:buChar char="•"/>
+            </a:pPr>
+            <a:r>
+              <a:rPr lang="en-US" dirty="0"/>
+              <a:t>Unoptimized code as </a:t>
+            </a:r>
+            <a:r>
+              <a:rPr lang="en-US" b="1" dirty="0"/>
+              <a:t>reference</a:t>
+            </a:r>
+          </a:p>
+          <a:p>
+            <a:pPr marL="285750" indent="-285750">
+              <a:buFont typeface="Arial" panose="020B0604020202020204" pitchFamily="34" charset="0"/>
+              <a:buChar char="•"/>
+            </a:pPr>
+            <a:r>
+              <a:rPr lang="en-US" b="1" dirty="0"/>
+              <a:t>C++</a:t>
+            </a:r>
+            <a:r>
+              <a:rPr lang="en-US" dirty="0"/>
+              <a:t> and </a:t>
+            </a:r>
+            <a:r>
+              <a:rPr lang="en-US" b="1" dirty="0"/>
+              <a:t>C#</a:t>
+            </a:r>
+          </a:p>
+          <a:p>
+            <a:pPr marL="285750" indent="-285750">
+              <a:buFont typeface="Arial" panose="020B0604020202020204" pitchFamily="34" charset="0"/>
+              <a:buChar char="•"/>
+            </a:pPr>
+            <a:r>
+              <a:rPr lang="en-US" dirty="0"/>
+              <a:t>Scaled very well</a:t>
+            </a:r>
+          </a:p>
+          <a:p>
+            <a:pPr marL="285750" indent="-285750">
+              <a:buFont typeface="Arial" panose="020B0604020202020204" pitchFamily="34" charset="0"/>
+              <a:buChar char="•"/>
+            </a:pPr>
+            <a:r>
+              <a:rPr lang="en-US" dirty="0"/>
+              <a:t>No decline at </a:t>
+            </a:r>
+            <a:r>
+              <a:rPr lang="en-US" b="1" dirty="0"/>
+              <a:t>16</a:t>
+            </a:r>
+            <a:r>
+              <a:rPr lang="en-US" dirty="0"/>
+              <a:t> or </a:t>
+            </a:r>
+            <a:r>
+              <a:rPr lang="en-US" b="1" dirty="0"/>
+              <a:t>32</a:t>
+            </a:r>
+            <a:r>
+              <a:rPr lang="en-US" dirty="0"/>
+              <a:t> cores</a:t>
+            </a:r>
+          </a:p>
+          <a:p>
+            <a:pPr marL="285750" indent="-285750">
+              <a:buFont typeface="Arial" panose="020B0604020202020204" pitchFamily="34" charset="0"/>
+              <a:buChar char="•"/>
+            </a:pPr>
+            <a:r>
+              <a:rPr lang="en-US" dirty="0"/>
+              <a:t>Scales over 100% (cannot calculate parallel code)</a:t>
+            </a:r>
+          </a:p>
+        </p:txBody>
+      </p:sp>
+      <p:graphicFrame>
+        <p:nvGraphicFramePr>
+          <p:cNvPr id="12" name="Tabelle 12">
+            <a:extLst>
+              <a:ext uri="{FF2B5EF4-FFF2-40B4-BE49-F238E27FC236}">
+                <a16:creationId xmlns:a16="http://schemas.microsoft.com/office/drawing/2014/main" id="{90D45544-92E3-434D-971E-A415BDA72808}"/>
+              </a:ext>
+            </a:extLst>
+          </p:cNvPr>
+          <p:cNvGraphicFramePr>
+            <a:graphicFrameLocks noGrp="1"/>
+          </p:cNvGraphicFramePr>
+          <p:nvPr>
+            <p:extLst>
+              <p:ext uri="{D42A27DB-BD31-4B8C-83A1-F6EECF244321}">
+                <p14:modId xmlns:p14="http://schemas.microsoft.com/office/powerpoint/2010/main" val="1834873909"/>
+              </p:ext>
+            </p:extLst>
+          </p:nvPr>
+        </p:nvGraphicFramePr>
+        <p:xfrm>
+          <a:off x="874713" y="3179125"/>
+          <a:ext cx="5319355" cy="2194560"/>
+        </p:xfrm>
+        <a:graphic>
+          <a:graphicData uri="http://schemas.openxmlformats.org/drawingml/2006/table">
+            <a:tbl>
+              <a:tblPr firstRow="1" bandRow="1">
+                <a:tableStyleId>{21E4AEA4-8DFA-4A89-87EB-49C32662AFE0}</a:tableStyleId>
+              </a:tblPr>
+              <a:tblGrid>
+                <a:gridCol w="837993">
+                  <a:extLst>
+                    <a:ext uri="{9D8B030D-6E8A-4147-A177-3AD203B41FA5}">
+                      <a16:colId xmlns:a16="http://schemas.microsoft.com/office/drawing/2014/main" val="3938834310"/>
+                    </a:ext>
+                  </a:extLst>
+                </a:gridCol>
+                <a:gridCol w="333751">
+                  <a:extLst>
+                    <a:ext uri="{9D8B030D-6E8A-4147-A177-3AD203B41FA5}">
+                      <a16:colId xmlns:a16="http://schemas.microsoft.com/office/drawing/2014/main" val="1781333008"/>
+                    </a:ext>
+                  </a:extLst>
+                </a:gridCol>
+                <a:gridCol w="1599217">
+                  <a:extLst>
+                    <a:ext uri="{9D8B030D-6E8A-4147-A177-3AD203B41FA5}">
+                      <a16:colId xmlns:a16="http://schemas.microsoft.com/office/drawing/2014/main" val="2764759496"/>
+                    </a:ext>
+                  </a:extLst>
+                </a:gridCol>
+                <a:gridCol w="974035">
+                  <a:extLst>
+                    <a:ext uri="{9D8B030D-6E8A-4147-A177-3AD203B41FA5}">
+                      <a16:colId xmlns:a16="http://schemas.microsoft.com/office/drawing/2014/main" val="647033383"/>
+                    </a:ext>
+                  </a:extLst>
+                </a:gridCol>
+                <a:gridCol w="719593">
+                  <a:extLst>
+                    <a:ext uri="{9D8B030D-6E8A-4147-A177-3AD203B41FA5}">
+                      <a16:colId xmlns:a16="http://schemas.microsoft.com/office/drawing/2014/main" val="4079033616"/>
+                    </a:ext>
+                  </a:extLst>
+                </a:gridCol>
+                <a:gridCol w="854766">
+                  <a:extLst>
+                    <a:ext uri="{9D8B030D-6E8A-4147-A177-3AD203B41FA5}">
+                      <a16:colId xmlns:a16="http://schemas.microsoft.com/office/drawing/2014/main" val="4260858825"/>
+                    </a:ext>
+                  </a:extLst>
+                </a:gridCol>
+              </a:tblGrid>
+              <a:tr h="324399">
+                <a:tc>
+                  <a:txBody>
+                    <a:bodyPr/>
+                    <a:lstStyle/>
+                    <a:p>
+                      <a:pPr algn="ctr"/>
+                      <a:r>
+                        <a:rPr lang="en-US" noProof="0" dirty="0"/>
+                        <a:t>Lang.</a:t>
+                      </a:r>
+                    </a:p>
+                  </a:txBody>
+                  <a:tcPr/>
+                </a:tc>
+                <a:tc>
+                  <a:txBody>
+                    <a:bodyPr/>
+                    <a:lstStyle/>
+                    <a:p>
+                      <a:pPr algn="ctr"/>
+                      <a:r>
+                        <a:rPr lang="en-US" noProof="0"/>
+                        <a:t>V</a:t>
+                      </a:r>
+                    </a:p>
+                  </a:txBody>
+                  <a:tcPr/>
+                </a:tc>
+                <a:tc>
+                  <a:txBody>
+                    <a:bodyPr/>
+                    <a:lstStyle/>
+                    <a:p>
+                      <a:pPr algn="ctr"/>
+                      <a:r>
+                        <a:rPr lang="en-US" noProof="0"/>
+                        <a:t>Measure.</a:t>
+                      </a:r>
+                    </a:p>
+                  </a:txBody>
+                  <a:tcPr/>
+                </a:tc>
+                <a:tc>
+                  <a:txBody>
+                    <a:bodyPr/>
+                    <a:lstStyle/>
+                    <a:p>
+                      <a:pPr algn="ctr"/>
+                      <a:r>
+                        <a:rPr lang="en-US" noProof="0"/>
+                        <a:t>Time</a:t>
+                      </a:r>
+                    </a:p>
+                  </a:txBody>
+                  <a:tcPr/>
+                </a:tc>
+                <a:tc>
+                  <a:txBody>
+                    <a:bodyPr/>
+                    <a:lstStyle/>
+                    <a:p>
+                      <a:pPr algn="ctr"/>
+                      <a:r>
+                        <a:rPr lang="en-US" noProof="0"/>
+                        <a:t>Abs.</a:t>
+                      </a:r>
+                    </a:p>
+                  </a:txBody>
+                  <a:tcPr/>
+                </a:tc>
+                <a:tc>
+                  <a:txBody>
+                    <a:bodyPr/>
+                    <a:lstStyle/>
+                    <a:p>
+                      <a:pPr algn="ctr"/>
+                      <a:r>
+                        <a:rPr lang="en-US" noProof="0" dirty="0"/>
+                        <a:t>Rel.</a:t>
+                      </a:r>
+                    </a:p>
+                  </a:txBody>
+                  <a:tcPr/>
+                </a:tc>
+                <a:extLst>
+                  <a:ext uri="{0D108BD9-81ED-4DB2-BD59-A6C34878D82A}">
+                    <a16:rowId xmlns:a16="http://schemas.microsoft.com/office/drawing/2014/main" val="3902417553"/>
+                  </a:ext>
+                </a:extLst>
+              </a:tr>
+              <a:tr h="324399">
+                <a:tc rowSpan="3">
+                  <a:txBody>
+                    <a:bodyPr/>
+                    <a:lstStyle/>
+                    <a:p>
+                      <a:pPr algn="ctr"/>
+                      <a:r>
+                        <a:rPr lang="en-US" noProof="0" dirty="0"/>
+                        <a:t>C++</a:t>
+                      </a:r>
+                    </a:p>
+                  </a:txBody>
+                  <a:tcPr anchor="ctr"/>
+                </a:tc>
+                <a:tc>
+                  <a:txBody>
+                    <a:bodyPr/>
+                    <a:lstStyle/>
+                    <a:p>
+                      <a:pPr algn="ctr"/>
+                      <a:r>
+                        <a:rPr lang="en-US" noProof="0"/>
+                        <a:t>0</a:t>
+                      </a:r>
+                    </a:p>
+                  </a:txBody>
+                  <a:tcPr/>
+                </a:tc>
+                <a:tc>
+                  <a:txBody>
+                    <a:bodyPr/>
+                    <a:lstStyle/>
+                    <a:p>
+                      <a:r>
+                        <a:rPr lang="en-US" noProof="0" dirty="0"/>
+                        <a:t>Unmodified</a:t>
+                      </a:r>
+                    </a:p>
+                  </a:txBody>
+                  <a:tcPr/>
+                </a:tc>
+                <a:tc>
+                  <a:txBody>
+                    <a:bodyPr/>
+                    <a:lstStyle/>
+                    <a:p>
+                      <a:pPr algn="r"/>
+                      <a:r>
+                        <a:rPr lang="en-US" dirty="0"/>
+                        <a:t>207050</a:t>
+                      </a:r>
+                    </a:p>
+                  </a:txBody>
+                  <a:tcPr/>
+                </a:tc>
+                <a:tc>
+                  <a:txBody>
+                    <a:bodyPr/>
+                    <a:lstStyle/>
+                    <a:p>
+                      <a:pPr algn="r"/>
+                      <a:r>
+                        <a:rPr lang="en-US" noProof="0"/>
+                        <a:t>1x</a:t>
+                      </a:r>
+                    </a:p>
+                  </a:txBody>
+                  <a:tcPr/>
+                </a:tc>
+                <a:tc>
+                  <a:txBody>
+                    <a:bodyPr/>
+                    <a:lstStyle/>
+                    <a:p>
+                      <a:pPr algn="r"/>
+                      <a:r>
+                        <a:rPr lang="en-US" noProof="0"/>
+                        <a:t>1x</a:t>
+                      </a:r>
+                    </a:p>
+                  </a:txBody>
+                  <a:tcPr/>
+                </a:tc>
+                <a:extLst>
+                  <a:ext uri="{0D108BD9-81ED-4DB2-BD59-A6C34878D82A}">
+                    <a16:rowId xmlns:a16="http://schemas.microsoft.com/office/drawing/2014/main" val="2874243357"/>
+                  </a:ext>
+                </a:extLst>
+              </a:tr>
+              <a:tr h="324399">
+                <a:tc vMerge="1">
+                  <a:txBody>
+                    <a:bodyPr/>
+                    <a:lstStyle/>
+                    <a:p>
+                      <a:endParaRPr lang="en-US" dirty="0"/>
+                    </a:p>
+                  </a:txBody>
+                  <a:tcPr/>
+                </a:tc>
+                <a:tc>
+                  <a:txBody>
+                    <a:bodyPr/>
+                    <a:lstStyle/>
+                    <a:p>
+                      <a:pPr algn="ctr"/>
+                      <a:r>
+                        <a:rPr lang="en-US" noProof="0"/>
+                        <a:t>1</a:t>
+                      </a:r>
+                    </a:p>
+                  </a:txBody>
+                  <a:tcPr/>
+                </a:tc>
+                <a:tc>
+                  <a:txBody>
+                    <a:bodyPr/>
+                    <a:lstStyle/>
+                    <a:p>
+                      <a:r>
+                        <a:rPr lang="en-US" noProof="0" dirty="0"/>
+                        <a:t>I/O Threads</a:t>
+                      </a:r>
+                    </a:p>
+                  </a:txBody>
+                  <a:tcPr/>
+                </a:tc>
+                <a:tc>
+                  <a:txBody>
+                    <a:bodyPr/>
+                    <a:lstStyle/>
+                    <a:p>
+                      <a:pPr algn="r"/>
+                      <a:r>
+                        <a:rPr lang="en-US" sz="1800" b="0" u="none" strike="noStrike" kern="1200" baseline="0" dirty="0">
+                          <a:solidFill>
+                            <a:schemeClr val="dk1"/>
+                          </a:solidFill>
+                        </a:rPr>
+                        <a:t>2182</a:t>
+                      </a:r>
+                      <a:endParaRPr lang="en-US" dirty="0"/>
+                    </a:p>
+                  </a:txBody>
+                  <a:tcPr/>
+                </a:tc>
+                <a:tc>
+                  <a:txBody>
+                    <a:bodyPr/>
+                    <a:lstStyle/>
+                    <a:p>
+                      <a:pPr algn="r"/>
+                      <a:r>
+                        <a:rPr lang="en-US" noProof="0"/>
+                        <a:t>86x</a:t>
+                      </a:r>
+                    </a:p>
+                  </a:txBody>
+                  <a:tcPr/>
+                </a:tc>
+                <a:tc>
+                  <a:txBody>
+                    <a:bodyPr/>
+                    <a:lstStyle/>
+                    <a:p>
+                      <a:pPr algn="r"/>
+                      <a:r>
+                        <a:rPr lang="en-US" noProof="0"/>
+                        <a:t>83x</a:t>
+                      </a:r>
+                    </a:p>
+                  </a:txBody>
+                  <a:tcPr/>
+                </a:tc>
+                <a:extLst>
+                  <a:ext uri="{0D108BD9-81ED-4DB2-BD59-A6C34878D82A}">
+                    <a16:rowId xmlns:a16="http://schemas.microsoft.com/office/drawing/2014/main" val="1050823374"/>
+                  </a:ext>
+                </a:extLst>
+              </a:tr>
+              <a:tr h="324399">
+                <a:tc vMerge="1">
+                  <a:txBody>
+                    <a:bodyPr/>
+                    <a:lstStyle/>
+                    <a:p>
+                      <a:endParaRPr lang="en-US" dirty="0"/>
+                    </a:p>
+                  </a:txBody>
+                  <a:tcPr/>
+                </a:tc>
+                <a:tc>
+                  <a:txBody>
+                    <a:bodyPr/>
+                    <a:lstStyle/>
+                    <a:p>
+                      <a:pPr algn="ctr"/>
+                      <a:r>
+                        <a:rPr lang="en-US" noProof="0"/>
+                        <a:t>2</a:t>
+                      </a:r>
+                    </a:p>
+                  </a:txBody>
+                  <a:tcPr/>
+                </a:tc>
+                <a:tc>
+                  <a:txBody>
+                    <a:bodyPr/>
+                    <a:lstStyle/>
+                    <a:p>
+                      <a:r>
+                        <a:rPr lang="en-US" noProof="0" dirty="0"/>
+                        <a:t>+ Simplified</a:t>
+                      </a:r>
+                    </a:p>
+                  </a:txBody>
+                  <a:tcPr/>
+                </a:tc>
+                <a:tc>
+                  <a:txBody>
+                    <a:bodyPr/>
+                    <a:lstStyle/>
+                    <a:p>
+                      <a:pPr algn="r"/>
+                      <a:r>
+                        <a:rPr lang="en-US" sz="1800" b="1" u="none" strike="noStrike" kern="1200" baseline="0" dirty="0">
+                          <a:solidFill>
+                            <a:schemeClr val="dk1"/>
+                          </a:solidFill>
+                        </a:rPr>
+                        <a:t>263</a:t>
+                      </a:r>
+                      <a:endParaRPr lang="en-US" b="1" dirty="0"/>
+                    </a:p>
+                  </a:txBody>
+                  <a:tcPr/>
+                </a:tc>
+                <a:tc>
+                  <a:txBody>
+                    <a:bodyPr/>
+                    <a:lstStyle/>
+                    <a:p>
+                      <a:pPr algn="r"/>
+                      <a:r>
+                        <a:rPr lang="en-US" b="1" noProof="0" dirty="0"/>
+                        <a:t>716x</a:t>
+                      </a:r>
+                    </a:p>
+                  </a:txBody>
+                  <a:tcPr/>
+                </a:tc>
+                <a:tc>
+                  <a:txBody>
+                    <a:bodyPr/>
+                    <a:lstStyle/>
+                    <a:p>
+                      <a:pPr algn="r"/>
+                      <a:r>
+                        <a:rPr lang="en-US" noProof="0"/>
+                        <a:t>73x</a:t>
+                      </a:r>
+                    </a:p>
+                  </a:txBody>
+                  <a:tcPr/>
+                </a:tc>
+                <a:extLst>
+                  <a:ext uri="{0D108BD9-81ED-4DB2-BD59-A6C34878D82A}">
+                    <a16:rowId xmlns:a16="http://schemas.microsoft.com/office/drawing/2014/main" val="2727177415"/>
+                  </a:ext>
+                </a:extLst>
+              </a:tr>
+              <a:tr h="324399">
+                <a:tc rowSpan="2">
+                  <a:txBody>
+                    <a:bodyPr/>
+                    <a:lstStyle/>
+                    <a:p>
+                      <a:pPr algn="ctr"/>
+                      <a:r>
+                        <a:rPr lang="en-US" noProof="0" dirty="0"/>
+                        <a:t>C#</a:t>
+                      </a:r>
+                    </a:p>
+                  </a:txBody>
+                  <a:tcPr anchor="ctr"/>
+                </a:tc>
+                <a:tc>
+                  <a:txBody>
+                    <a:bodyPr/>
+                    <a:lstStyle/>
+                    <a:p>
+                      <a:pPr algn="ctr"/>
+                      <a:r>
+                        <a:rPr lang="en-US" noProof="0"/>
+                        <a:t>0</a:t>
+                      </a:r>
+                    </a:p>
+                  </a:txBody>
+                  <a:tcPr/>
+                </a:tc>
+                <a:tc>
+                  <a:txBody>
+                    <a:bodyPr/>
+                    <a:lstStyle/>
+                    <a:p>
+                      <a:r>
+                        <a:rPr lang="en-US" noProof="0" dirty="0"/>
+                        <a:t>Unoptimized</a:t>
+                      </a:r>
+                    </a:p>
+                  </a:txBody>
+                  <a:tcPr/>
+                </a:tc>
+                <a:tc>
+                  <a:txBody>
+                    <a:bodyPr/>
+                    <a:lstStyle/>
+                    <a:p>
+                      <a:pPr algn="r"/>
+                      <a:r>
+                        <a:rPr lang="en-US" sz="1800" b="0" u="none" strike="noStrike" kern="1200" baseline="0" dirty="0">
+                          <a:solidFill>
+                            <a:schemeClr val="dk1"/>
+                          </a:solidFill>
+                        </a:rPr>
+                        <a:t>63332</a:t>
+                      </a:r>
+                      <a:endParaRPr lang="en-US" dirty="0"/>
+                    </a:p>
+                  </a:txBody>
+                  <a:tcPr/>
+                </a:tc>
+                <a:tc>
+                  <a:txBody>
+                    <a:bodyPr/>
+                    <a:lstStyle/>
+                    <a:p>
+                      <a:pPr algn="r"/>
+                      <a:r>
+                        <a:rPr lang="en-US" noProof="0"/>
+                        <a:t>1x</a:t>
+                      </a:r>
+                    </a:p>
+                  </a:txBody>
+                  <a:tcPr/>
+                </a:tc>
+                <a:tc>
+                  <a:txBody>
+                    <a:bodyPr/>
+                    <a:lstStyle/>
+                    <a:p>
+                      <a:pPr algn="r"/>
+                      <a:r>
+                        <a:rPr lang="en-US" noProof="0"/>
+                        <a:t>1x</a:t>
+                      </a:r>
+                    </a:p>
+                  </a:txBody>
+                  <a:tcPr/>
+                </a:tc>
+                <a:extLst>
+                  <a:ext uri="{0D108BD9-81ED-4DB2-BD59-A6C34878D82A}">
+                    <a16:rowId xmlns:a16="http://schemas.microsoft.com/office/drawing/2014/main" val="1373306623"/>
+                  </a:ext>
+                </a:extLst>
+              </a:tr>
+              <a:tr h="324399">
+                <a:tc vMerge="1">
+                  <a:txBody>
+                    <a:bodyPr/>
+                    <a:lstStyle/>
+                    <a:p>
+                      <a:endParaRPr lang="en-US" dirty="0"/>
+                    </a:p>
+                  </a:txBody>
+                  <a:tcPr/>
+                </a:tc>
+                <a:tc>
+                  <a:txBody>
+                    <a:bodyPr/>
+                    <a:lstStyle/>
+                    <a:p>
+                      <a:pPr algn="ctr"/>
+                      <a:r>
+                        <a:rPr lang="en-US" noProof="0" dirty="0"/>
+                        <a:t>2</a:t>
+                      </a:r>
+                    </a:p>
+                  </a:txBody>
+                  <a:tcPr/>
+                </a:tc>
+                <a:tc>
+                  <a:txBody>
+                    <a:bodyPr/>
+                    <a:lstStyle/>
+                    <a:p>
+                      <a:r>
+                        <a:rPr lang="en-US" noProof="0" dirty="0"/>
+                        <a:t>Both</a:t>
+                      </a:r>
+                    </a:p>
+                  </a:txBody>
+                  <a:tcPr/>
+                </a:tc>
+                <a:tc>
+                  <a:txBody>
+                    <a:bodyPr/>
+                    <a:lstStyle/>
+                    <a:p>
+                      <a:pPr algn="r"/>
+                      <a:r>
+                        <a:rPr lang="en-US" sz="1800" b="0" u="none" strike="noStrike" kern="1200" baseline="0" dirty="0">
+                          <a:solidFill>
+                            <a:schemeClr val="dk1"/>
+                          </a:solidFill>
+                        </a:rPr>
+                        <a:t>452</a:t>
+                      </a:r>
+                      <a:endParaRPr lang="en-US" dirty="0"/>
+                    </a:p>
+                  </a:txBody>
+                  <a:tcPr/>
+                </a:tc>
+                <a:tc>
+                  <a:txBody>
+                    <a:bodyPr/>
+                    <a:lstStyle/>
+                    <a:p>
+                      <a:pPr algn="r"/>
+                      <a:r>
+                        <a:rPr lang="en-US" noProof="0"/>
+                        <a:t>146x</a:t>
+                      </a:r>
+                    </a:p>
+                  </a:txBody>
+                  <a:tcPr/>
+                </a:tc>
+                <a:tc>
+                  <a:txBody>
+                    <a:bodyPr/>
+                    <a:lstStyle/>
+                    <a:p>
+                      <a:pPr algn="r"/>
+                      <a:r>
+                        <a:rPr lang="en-US" b="1" noProof="0" dirty="0"/>
+                        <a:t>1798x</a:t>
+                      </a:r>
+                    </a:p>
+                  </a:txBody>
+                  <a:tcPr/>
+                </a:tc>
+                <a:extLst>
+                  <a:ext uri="{0D108BD9-81ED-4DB2-BD59-A6C34878D82A}">
+                    <a16:rowId xmlns:a16="http://schemas.microsoft.com/office/drawing/2014/main" val="164404808"/>
+                  </a:ext>
+                </a:extLst>
+              </a:tr>
+            </a:tbl>
+          </a:graphicData>
+        </a:graphic>
+      </p:graphicFrame>
+      <p:sp>
+        <p:nvSpPr>
+          <p:cNvPr id="15" name="Titel 1">
+            <a:extLst>
+              <a:ext uri="{FF2B5EF4-FFF2-40B4-BE49-F238E27FC236}">
+                <a16:creationId xmlns:a16="http://schemas.microsoft.com/office/drawing/2014/main" id="{84A2A2C1-8908-47B1-A83F-73F5C9611D92}"/>
               </a:ext>
             </a:extLst>
           </p:cNvPr>
@@ -8293,7 +12039,12 @@
             <p:ph type="title"/>
           </p:nvPr>
         </p:nvSpPr>
-        <p:spPr/>
+        <p:spPr>
+          <a:xfrm>
+            <a:off x="874712" y="346075"/>
+            <a:ext cx="10580687" cy="684213"/>
+          </a:xfrm>
+        </p:spPr>
         <p:txBody>
           <a:bodyPr/>
           <a:lstStyle/>
@@ -8310,31 +12061,6 @@
               <a:t>The Mandelbrot Set</a:t>
             </a:r>
             <a:endParaRPr lang="en-US" dirty="0"/>
-          </a:p>
-        </p:txBody>
-      </p:sp>
-      <p:sp>
-        <p:nvSpPr>
-          <p:cNvPr id="3" name="Inhaltsplatzhalter 2">
-            <a:extLst>
-              <a:ext uri="{FF2B5EF4-FFF2-40B4-BE49-F238E27FC236}">
-                <a16:creationId xmlns:a16="http://schemas.microsoft.com/office/drawing/2014/main" id="{1E271AF2-B824-4482-9299-83D2A6CB5EC2}"/>
-              </a:ext>
-            </a:extLst>
-          </p:cNvPr>
-          <p:cNvSpPr>
-            <a:spLocks noGrp="1"/>
-          </p:cNvSpPr>
-          <p:nvPr>
-            <p:ph sz="quarter" idx="10"/>
-          </p:nvPr>
-        </p:nvSpPr>
-        <p:spPr/>
-        <p:txBody>
-          <a:bodyPr/>
-          <a:lstStyle/>
-          <a:p>
-            <a:endParaRPr lang="en-US" b="1" dirty="0"/>
           </a:p>
         </p:txBody>
       </p:sp>
@@ -8348,6 +12074,317 @@
   <p:clrMapOvr>
     <a:masterClrMapping/>
   </p:clrMapOvr>
+  <p:timing>
+    <p:tnLst>
+      <p:par>
+        <p:cTn id="1" dur="indefinite" restart="never" nodeType="tmRoot">
+          <p:childTnLst>
+            <p:seq concurrent="1" nextAc="seek">
+              <p:cTn id="2" dur="indefinite" nodeType="mainSeq">
+                <p:childTnLst>
+                  <p:par>
+                    <p:cTn id="3" fill="hold">
+                      <p:stCondLst>
+                        <p:cond delay="indefinite"/>
+                      </p:stCondLst>
+                      <p:childTnLst>
+                        <p:par>
+                          <p:cTn id="4" fill="hold">
+                            <p:stCondLst>
+                              <p:cond delay="0"/>
+                            </p:stCondLst>
+                            <p:childTnLst>
+                              <p:par>
+                                <p:cTn id="5" presetID="1" presetClass="entr" presetSubtype="0" fill="hold" nodeType="clickEffect">
+                                  <p:stCondLst>
+                                    <p:cond delay="0"/>
+                                  </p:stCondLst>
+                                  <p:childTnLst>
+                                    <p:set>
+                                      <p:cBhvr>
+                                        <p:cTn id="6" dur="1" fill="hold">
+                                          <p:stCondLst>
+                                            <p:cond delay="0"/>
+                                          </p:stCondLst>
+                                        </p:cTn>
+                                        <p:tgtEl>
+                                          <p:spTgt spid="9">
+                                            <p:txEl>
+                                              <p:pRg st="0" end="0"/>
+                                            </p:txEl>
+                                          </p:spTgt>
+                                        </p:tgtEl>
+                                        <p:attrNameLst>
+                                          <p:attrName>style.visibility</p:attrName>
+                                        </p:attrNameLst>
+                                      </p:cBhvr>
+                                      <p:to>
+                                        <p:strVal val="visible"/>
+                                      </p:to>
+                                    </p:set>
+                                  </p:childTnLst>
+                                </p:cTn>
+                              </p:par>
+                              <p:par>
+                                <p:cTn id="7" presetID="1" presetClass="entr" presetSubtype="0" fill="hold" nodeType="withEffect">
+                                  <p:stCondLst>
+                                    <p:cond delay="0"/>
+                                  </p:stCondLst>
+                                  <p:childTnLst>
+                                    <p:set>
+                                      <p:cBhvr>
+                                        <p:cTn id="8" dur="1" fill="hold">
+                                          <p:stCondLst>
+                                            <p:cond delay="0"/>
+                                          </p:stCondLst>
+                                        </p:cTn>
+                                        <p:tgtEl>
+                                          <p:spTgt spid="9">
+                                            <p:txEl>
+                                              <p:pRg st="1" end="1"/>
+                                            </p:txEl>
+                                          </p:spTgt>
+                                        </p:tgtEl>
+                                        <p:attrNameLst>
+                                          <p:attrName>style.visibility</p:attrName>
+                                        </p:attrNameLst>
+                                      </p:cBhvr>
+                                      <p:to>
+                                        <p:strVal val="visible"/>
+                                      </p:to>
+                                    </p:set>
+                                  </p:childTnLst>
+                                </p:cTn>
+                              </p:par>
+                            </p:childTnLst>
+                          </p:cTn>
+                        </p:par>
+                      </p:childTnLst>
+                    </p:cTn>
+                  </p:par>
+                  <p:par>
+                    <p:cTn id="9" fill="hold">
+                      <p:stCondLst>
+                        <p:cond delay="indefinite"/>
+                      </p:stCondLst>
+                      <p:childTnLst>
+                        <p:par>
+                          <p:cTn id="10" fill="hold">
+                            <p:stCondLst>
+                              <p:cond delay="0"/>
+                            </p:stCondLst>
+                            <p:childTnLst>
+                              <p:par>
+                                <p:cTn id="11" presetID="1" presetClass="entr" presetSubtype="0" fill="hold" nodeType="clickEffect">
+                                  <p:stCondLst>
+                                    <p:cond delay="0"/>
+                                  </p:stCondLst>
+                                  <p:childTnLst>
+                                    <p:set>
+                                      <p:cBhvr>
+                                        <p:cTn id="12" dur="1" fill="hold">
+                                          <p:stCondLst>
+                                            <p:cond delay="0"/>
+                                          </p:stCondLst>
+                                        </p:cTn>
+                                        <p:tgtEl>
+                                          <p:spTgt spid="12"/>
+                                        </p:tgtEl>
+                                        <p:attrNameLst>
+                                          <p:attrName>style.visibility</p:attrName>
+                                        </p:attrNameLst>
+                                      </p:cBhvr>
+                                      <p:to>
+                                        <p:strVal val="visible"/>
+                                      </p:to>
+                                    </p:set>
+                                  </p:childTnLst>
+                                </p:cTn>
+                              </p:par>
+                            </p:childTnLst>
+                          </p:cTn>
+                        </p:par>
+                      </p:childTnLst>
+                    </p:cTn>
+                  </p:par>
+                  <p:par>
+                    <p:cTn id="13" fill="hold">
+                      <p:stCondLst>
+                        <p:cond delay="indefinite"/>
+                      </p:stCondLst>
+                      <p:childTnLst>
+                        <p:par>
+                          <p:cTn id="14" fill="hold">
+                            <p:stCondLst>
+                              <p:cond delay="0"/>
+                            </p:stCondLst>
+                            <p:childTnLst>
+                              <p:par>
+                                <p:cTn id="15" presetID="1" presetClass="entr" presetSubtype="0" fill="hold" nodeType="clickEffect">
+                                  <p:stCondLst>
+                                    <p:cond delay="0"/>
+                                  </p:stCondLst>
+                                  <p:childTnLst>
+                                    <p:set>
+                                      <p:cBhvr>
+                                        <p:cTn id="16" dur="1" fill="hold">
+                                          <p:stCondLst>
+                                            <p:cond delay="0"/>
+                                          </p:stCondLst>
+                                        </p:cTn>
+                                        <p:tgtEl>
+                                          <p:spTgt spid="7"/>
+                                        </p:tgtEl>
+                                        <p:attrNameLst>
+                                          <p:attrName>style.visibility</p:attrName>
+                                        </p:attrNameLst>
+                                      </p:cBhvr>
+                                      <p:to>
+                                        <p:strVal val="visible"/>
+                                      </p:to>
+                                    </p:set>
+                                  </p:childTnLst>
+                                </p:cTn>
+                              </p:par>
+                            </p:childTnLst>
+                          </p:cTn>
+                        </p:par>
+                      </p:childTnLst>
+                    </p:cTn>
+                  </p:par>
+                  <p:par>
+                    <p:cTn id="17" fill="hold">
+                      <p:stCondLst>
+                        <p:cond delay="indefinite"/>
+                      </p:stCondLst>
+                      <p:childTnLst>
+                        <p:par>
+                          <p:cTn id="18" fill="hold">
+                            <p:stCondLst>
+                              <p:cond delay="0"/>
+                            </p:stCondLst>
+                            <p:childTnLst>
+                              <p:par>
+                                <p:cTn id="19" presetID="1" presetClass="entr" presetSubtype="0" fill="hold" nodeType="clickEffect">
+                                  <p:stCondLst>
+                                    <p:cond delay="0"/>
+                                  </p:stCondLst>
+                                  <p:childTnLst>
+                                    <p:set>
+                                      <p:cBhvr>
+                                        <p:cTn id="20" dur="1" fill="hold">
+                                          <p:stCondLst>
+                                            <p:cond delay="0"/>
+                                          </p:stCondLst>
+                                        </p:cTn>
+                                        <p:tgtEl>
+                                          <p:spTgt spid="9">
+                                            <p:txEl>
+                                              <p:pRg st="2" end="2"/>
+                                            </p:txEl>
+                                          </p:spTgt>
+                                        </p:tgtEl>
+                                        <p:attrNameLst>
+                                          <p:attrName>style.visibility</p:attrName>
+                                        </p:attrNameLst>
+                                      </p:cBhvr>
+                                      <p:to>
+                                        <p:strVal val="visible"/>
+                                      </p:to>
+                                    </p:set>
+                                  </p:childTnLst>
+                                </p:cTn>
+                              </p:par>
+                              <p:par>
+                                <p:cTn id="21" presetID="1" presetClass="entr" presetSubtype="0" fill="hold" nodeType="withEffect">
+                                  <p:stCondLst>
+                                    <p:cond delay="0"/>
+                                  </p:stCondLst>
+                                  <p:childTnLst>
+                                    <p:set>
+                                      <p:cBhvr>
+                                        <p:cTn id="22" dur="1" fill="hold">
+                                          <p:stCondLst>
+                                            <p:cond delay="0"/>
+                                          </p:stCondLst>
+                                        </p:cTn>
+                                        <p:tgtEl>
+                                          <p:spTgt spid="9">
+                                            <p:txEl>
+                                              <p:pRg st="3" end="3"/>
+                                            </p:txEl>
+                                          </p:spTgt>
+                                        </p:tgtEl>
+                                        <p:attrNameLst>
+                                          <p:attrName>style.visibility</p:attrName>
+                                        </p:attrNameLst>
+                                      </p:cBhvr>
+                                      <p:to>
+                                        <p:strVal val="visible"/>
+                                      </p:to>
+                                    </p:set>
+                                  </p:childTnLst>
+                                </p:cTn>
+                              </p:par>
+                              <p:par>
+                                <p:cTn id="23" presetID="1" presetClass="entr" presetSubtype="0" fill="hold" nodeType="withEffect">
+                                  <p:stCondLst>
+                                    <p:cond delay="0"/>
+                                  </p:stCondLst>
+                                  <p:childTnLst>
+                                    <p:set>
+                                      <p:cBhvr>
+                                        <p:cTn id="24" dur="1" fill="hold">
+                                          <p:stCondLst>
+                                            <p:cond delay="0"/>
+                                          </p:stCondLst>
+                                        </p:cTn>
+                                        <p:tgtEl>
+                                          <p:spTgt spid="9">
+                                            <p:txEl>
+                                              <p:pRg st="4" end="4"/>
+                                            </p:txEl>
+                                          </p:spTgt>
+                                        </p:tgtEl>
+                                        <p:attrNameLst>
+                                          <p:attrName>style.visibility</p:attrName>
+                                        </p:attrNameLst>
+                                      </p:cBhvr>
+                                      <p:to>
+                                        <p:strVal val="visible"/>
+                                      </p:to>
+                                    </p:set>
+                                  </p:childTnLst>
+                                </p:cTn>
+                              </p:par>
+                            </p:childTnLst>
+                          </p:cTn>
+                        </p:par>
+                      </p:childTnLst>
+                    </p:cTn>
+                  </p:par>
+                </p:childTnLst>
+              </p:cTn>
+              <p:prevCondLst>
+                <p:cond evt="onPrev" delay="0">
+                  <p:tgtEl>
+                    <p:sldTgt/>
+                  </p:tgtEl>
+                </p:cond>
+              </p:prevCondLst>
+              <p:nextCondLst>
+                <p:cond evt="onNext" delay="0">
+                  <p:tgtEl>
+                    <p:sldTgt/>
+                  </p:tgtEl>
+                </p:cond>
+              </p:nextCondLst>
+            </p:seq>
+          </p:childTnLst>
+        </p:cTn>
+      </p:par>
+    </p:tnLst>
+  </p:timing>
 </p:sld>
 </file>
 
@@ -8370,13 +12407,7 @@
       </p:grpSpPr>
       <p:sp>
         <p:nvSpPr>
-          <p:cNvPr id="2" name="Titel 1">
-            <a:extLst>
-              <a:ext uri="{FF2B5EF4-FFF2-40B4-BE49-F238E27FC236}">
-                <a16:creationId xmlns:a16="http://schemas.microsoft.com/office/drawing/2014/main" id="{8EB503D6-29A6-44F9-85AE-CF615B069F5B}"/>
-              </a:ext>
-            </a:extLst>
-          </p:cNvPr>
+          <p:cNvPr id="2" name="Titel 1"/>
           <p:cNvSpPr>
             <a:spLocks noGrp="1"/>
           </p:cNvSpPr>
@@ -8389,50 +12420,149 @@
           <a:bodyPr/>
           <a:lstStyle/>
           <a:p>
-            <a:r>
-              <a:rPr lang="en-US" dirty="0"/>
-              <a:t>Evaluation</a:t>
-            </a:r>
-            <a:br>
-              <a:rPr lang="en-US" dirty="0"/>
-            </a:br>
-            <a:r>
-              <a:rPr lang="en-US" b="0" dirty="0"/>
-              <a:t>The Mandelbrot Set</a:t>
-            </a:r>
-            <a:endParaRPr lang="en-US" dirty="0"/>
+            <a:pPr lvl="5"/>
+            <a:r>
+              <a:rPr lang="de-DE" sz="3600" dirty="0">
+                <a:solidFill>
+                  <a:schemeClr val="bg1"/>
+                </a:solidFill>
+                <a:latin typeface="+mj-lt"/>
+              </a:rPr>
+              <a:t>The </a:t>
+            </a:r>
+            <a:r>
+              <a:rPr lang="de-DE" sz="3600" b="1" dirty="0">
+                <a:solidFill>
+                  <a:schemeClr val="bg1"/>
+                </a:solidFill>
+                <a:latin typeface="+mj-lt"/>
+              </a:rPr>
+              <a:t>Himeno Benchmark</a:t>
+            </a:r>
+            <a:endParaRPr lang="de-DE" sz="3600" dirty="0">
+              <a:solidFill>
+                <a:schemeClr val="bg1"/>
+              </a:solidFill>
+              <a:latin typeface="+mj-lt"/>
+            </a:endParaRPr>
           </a:p>
         </p:txBody>
       </p:sp>
-      <p:sp>
-        <p:nvSpPr>
-          <p:cNvPr id="3" name="Inhaltsplatzhalter 2">
+      <p:grpSp>
+        <p:nvGrpSpPr>
+          <p:cNvPr id="5" name="Gruppieren 4">
             <a:extLst>
               <a:ext uri="{FF2B5EF4-FFF2-40B4-BE49-F238E27FC236}">
-                <a16:creationId xmlns:a16="http://schemas.microsoft.com/office/drawing/2014/main" id="{1E271AF2-B824-4482-9299-83D2A6CB5EC2}"/>
+                <a16:creationId xmlns:a16="http://schemas.microsoft.com/office/drawing/2014/main" id="{A55DE73D-1FC8-4AE0-A7E0-D257F6D9B81D}"/>
               </a:ext>
             </a:extLst>
           </p:cNvPr>
-          <p:cNvSpPr>
-            <a:spLocks noGrp="1"/>
-          </p:cNvSpPr>
-          <p:nvPr>
-            <p:ph sz="quarter" idx="10"/>
-          </p:nvPr>
-        </p:nvSpPr>
-        <p:spPr/>
-        <p:txBody>
-          <a:bodyPr/>
-          <a:lstStyle/>
-          <a:p>
-            <a:endParaRPr lang="en-US" b="1" dirty="0"/>
-          </a:p>
-        </p:txBody>
-      </p:sp>
+          <p:cNvGrpSpPr/>
+          <p:nvPr/>
+        </p:nvGrpSpPr>
+        <p:grpSpPr>
+          <a:xfrm>
+            <a:off x="5913433" y="2114760"/>
+            <a:ext cx="5503676" cy="2929796"/>
+            <a:chOff x="4247635" y="1960469"/>
+            <a:chExt cx="5503676" cy="2929796"/>
+          </a:xfrm>
+        </p:grpSpPr>
+        <p:sp>
+          <p:nvSpPr>
+            <p:cNvPr id="3" name="Textfeld 2">
+              <a:extLst>
+                <a:ext uri="{FF2B5EF4-FFF2-40B4-BE49-F238E27FC236}">
+                  <a16:creationId xmlns:a16="http://schemas.microsoft.com/office/drawing/2014/main" id="{158E2638-2814-4BE2-B244-218300CE2178}"/>
+                </a:ext>
+              </a:extLst>
+            </p:cNvPr>
+            <p:cNvSpPr txBox="1"/>
+            <p:nvPr/>
+          </p:nvSpPr>
+          <p:spPr>
+            <a:xfrm>
+              <a:off x="4247635" y="4674821"/>
+              <a:ext cx="5503676" cy="215444"/>
+            </a:xfrm>
+            <a:prstGeom prst="rect">
+              <a:avLst/>
+            </a:prstGeom>
+            <a:noFill/>
+          </p:spPr>
+          <p:txBody>
+            <a:bodyPr wrap="square" rtlCol="0">
+              <a:spAutoFit/>
+            </a:bodyPr>
+            <a:lstStyle/>
+            <a:p>
+              <a:pPr algn="r"/>
+              <a:r>
+                <a:rPr lang="en-US" sz="800" dirty="0">
+                  <a:solidFill>
+                    <a:schemeClr val="bg1"/>
+                  </a:solidFill>
+                </a:rPr>
+                <a:t>http://www.isum2017.udg.mx/es/contenido/dr-ryutaro-himeno</a:t>
+              </a:r>
+            </a:p>
+          </p:txBody>
+        </p:sp>
+        <p:pic>
+          <p:nvPicPr>
+            <p:cNvPr id="1028" name="Picture 4" descr="Dr. Ryutaro HIMENO ">
+              <a:extLst>
+                <a:ext uri="{FF2B5EF4-FFF2-40B4-BE49-F238E27FC236}">
+                  <a16:creationId xmlns:a16="http://schemas.microsoft.com/office/drawing/2014/main" id="{6660A7C2-93A7-4B19-B7D7-84801A8B75C8}"/>
+                </a:ext>
+              </a:extLst>
+            </p:cNvPr>
+            <p:cNvPicPr>
+              <a:picLocks noChangeAspect="1" noChangeArrowheads="1"/>
+            </p:cNvPicPr>
+            <p:nvPr/>
+          </p:nvPicPr>
+          <p:blipFill>
+            <a:blip r:embed="rId3">
+              <a:extLst>
+                <a:ext uri="{28A0092B-C50C-407E-A947-70E740481C1C}">
+                  <a14:useLocalDpi xmlns:a14="http://schemas.microsoft.com/office/drawing/2010/main" val="0"/>
+                </a:ext>
+              </a:extLst>
+            </a:blip>
+            <a:srcRect/>
+            <a:stretch>
+              <a:fillRect/>
+            </a:stretch>
+          </p:blipFill>
+          <p:spPr bwMode="auto">
+            <a:xfrm>
+              <a:off x="7655811" y="1960469"/>
+              <a:ext cx="2095500" cy="2714625"/>
+            </a:xfrm>
+            <a:prstGeom prst="rect">
+              <a:avLst/>
+            </a:prstGeom>
+            <a:noFill/>
+            <a:extLst>
+              <a:ext uri="{909E8E84-426E-40DD-AFC4-6F175D3DCCD1}">
+                <a14:hiddenFill xmlns:a14="http://schemas.microsoft.com/office/drawing/2010/main">
+                  <a:solidFill>
+                    <a:srgbClr val="FFFFFF"/>
+                  </a:solidFill>
+                </a14:hiddenFill>
+              </a:ext>
+            </a:extLst>
+          </p:spPr>
+        </p:pic>
+      </p:grpSp>
     </p:spTree>
+    <p:custDataLst>
+      <p:tags r:id="rId1"/>
+    </p:custDataLst>
     <p:extLst>
       <p:ext uri="{BB962C8B-B14F-4D97-AF65-F5344CB8AC3E}">
-        <p14:creationId xmlns:p14="http://schemas.microsoft.com/office/powerpoint/2010/main" val="1187384920"/>
+        <p14:creationId xmlns:p14="http://schemas.microsoft.com/office/powerpoint/2010/main" val="1811206881"/>
       </p:ext>
     </p:extLst>
   </p:cSld>
@@ -8449,6 +12579,12 @@
 </file>
 
 <file path=ppt/tags/tag2.xml><?xml version="1.0" encoding="utf-8"?>
+<p:tagLst xmlns:a="http://schemas.openxmlformats.org/drawingml/2006/main" xmlns:r="http://schemas.openxmlformats.org/officeDocument/2006/relationships" xmlns:p="http://schemas.openxmlformats.org/presentationml/2006/main">
+  <p:tag name="TIMING" val="|33.2|17"/>
+</p:tagLst>
+</file>
+
+<file path=ppt/tags/tag3.xml><?xml version="1.0" encoding="utf-8"?>
 <p:tagLst xmlns:a="http://schemas.openxmlformats.org/drawingml/2006/main" xmlns:r="http://schemas.openxmlformats.org/officeDocument/2006/relationships" xmlns:p="http://schemas.openxmlformats.org/presentationml/2006/main">
   <p:tag name="TIMING" val="|33.2|17"/>
 </p:tagLst>
